--- a/static/uploads/slides/ppt/Local Orbits.pptx
+++ b/static/uploads/slides/ppt/Local Orbits.pptx
@@ -2186,7 +2186,7 @@
           </a:ln>
           <a:extLst>
             <a:ext uri="{C572A759-6A51-4108-AA02-DFA0A04FC94B}">
-              <ma14:wrappingTextBoxFlag xmlns:ma14="http://schemas.microsoft.com/office/mac/drawingml/2011/main" xmlns="" val="1"/>
+              <ma14:wrappingTextBoxFlag xmlns="" xmlns:ma14="http://schemas.microsoft.com/office/mac/drawingml/2011/main" val="1"/>
             </a:ext>
           </a:extLst>
         </p:spPr>
@@ -2225,7 +2225,7 @@
           </a:ln>
           <a:extLst>
             <a:ext uri="{C572A759-6A51-4108-AA02-DFA0A04FC94B}">
-              <ma14:wrappingTextBoxFlag xmlns:ma14="http://schemas.microsoft.com/office/mac/drawingml/2011/main" xmlns="" val="1"/>
+              <ma14:wrappingTextBoxFlag xmlns="" xmlns:ma14="http://schemas.microsoft.com/office/mac/drawingml/2011/main" val="1"/>
             </a:ext>
           </a:extLst>
         </p:spPr>
@@ -3183,9 +3183,9 @@
         <p:grpSpPr>
           <a:xfrm>
             <a:off x="-74731" y="-49709"/>
-            <a:ext cx="24521873" cy="13314635"/>
+            <a:ext cx="24521873" cy="13160747"/>
             <a:chOff x="-74731" y="-49709"/>
-            <a:chExt cx="24521873" cy="13314635"/>
+            <a:chExt cx="24521873" cy="13160747"/>
           </a:xfrm>
         </p:grpSpPr>
         <p:sp>
@@ -3249,7 +3249,7 @@
             </a:ln>
             <a:extLst>
               <a:ext uri="{C572A759-6A51-4108-AA02-DFA0A04FC94B}">
-                <ma14:wrappingTextBoxFlag xmlns:ma14="http://schemas.microsoft.com/office/mac/drawingml/2011/main" xmlns="" val="1"/>
+                <ma14:wrappingTextBoxFlag xmlns="" xmlns:ma14="http://schemas.microsoft.com/office/mac/drawingml/2011/main" val="1"/>
               </a:ext>
             </a:extLst>
           </p:spPr>
@@ -3344,7 +3344,7 @@
             </a:ln>
             <a:extLst>
               <a:ext uri="{C572A759-6A51-4108-AA02-DFA0A04FC94B}">
-                <ma14:wrappingTextBoxFlag xmlns:ma14="http://schemas.microsoft.com/office/mac/drawingml/2011/main" xmlns="" val="1"/>
+                <ma14:wrappingTextBoxFlag xmlns="" xmlns:ma14="http://schemas.microsoft.com/office/mac/drawingml/2011/main" val="1"/>
               </a:ext>
             </a:extLst>
           </p:spPr>
@@ -3515,7 +3515,7 @@
             </a:ln>
             <a:extLst>
               <a:ext uri="{C572A759-6A51-4108-AA02-DFA0A04FC94B}">
-                <ma14:wrappingTextBoxFlag xmlns:ma14="http://schemas.microsoft.com/office/mac/drawingml/2011/main" xmlns="" val="1"/>
+                <ma14:wrappingTextBoxFlag xmlns="" xmlns:ma14="http://schemas.microsoft.com/office/mac/drawingml/2011/main" val="1"/>
               </a:ext>
             </a:extLst>
           </p:spPr>
@@ -3555,8 +3555,8 @@
           </p:nvSpPr>
           <p:spPr>
             <a:xfrm>
-              <a:off x="15684512" y="12505104"/>
-              <a:ext cx="8180122" cy="759822"/>
+              <a:off x="11371385" y="12658992"/>
+              <a:ext cx="12493249" cy="452046"/>
             </a:xfrm>
             <a:prstGeom prst="rect">
               <a:avLst/>
@@ -3566,12 +3566,12 @@
             </a:ln>
             <a:extLst>
               <a:ext uri="{C572A759-6A51-4108-AA02-DFA0A04FC94B}">
-                <ma14:wrappingTextBoxFlag xmlns:ma14="http://schemas.microsoft.com/office/mac/drawingml/2011/main" xmlns="" val="1"/>
+                <ma14:wrappingTextBoxFlag xmlns="" xmlns:ma14="http://schemas.microsoft.com/office/mac/drawingml/2011/main" val="1"/>
               </a:ext>
             </a:extLst>
           </p:spPr>
           <p:txBody>
-            <a:bodyPr wrap="none" lIns="71437" tIns="71437" rIns="71437" bIns="71437" anchor="ctr">
+            <a:bodyPr wrap="square" lIns="71437" tIns="71437" rIns="71437" bIns="71437" anchor="ctr">
               <a:spAutoFit/>
             </a:bodyPr>
             <a:lstStyle/>
@@ -3609,24 +3609,7 @@
               </a:r>
               <a:r>
                 <a:rPr lang="en-AU" dirty="0"/>
-                <a:t>/photos/</a:t>
-              </a:r>
-            </a:p>
-            <a:p>
-              <a:pPr algn="r">
-                <a:defRPr sz="2000" b="0">
-                  <a:solidFill>
-                    <a:srgbClr val="919191"/>
-                  </a:solidFill>
-                  <a:latin typeface="Montserrat Medium"/>
-                  <a:ea typeface="Montserrat Medium"/>
-                  <a:cs typeface="Montserrat Medium"/>
-                  <a:sym typeface="Montserrat Medium"/>
-                </a:defRPr>
-              </a:pPr>
-              <a:r>
-                <a:rPr lang="en-AU" dirty="0"/>
-                <a:t>u2VPMFRrhGU</a:t>
+                <a:t>/photos/u2VPMFRrhGU</a:t>
               </a:r>
             </a:p>
           </p:txBody>
@@ -3764,7 +3747,7 @@
             </a:ln>
             <a:extLst>
               <a:ext uri="{C572A759-6A51-4108-AA02-DFA0A04FC94B}">
-                <ma14:wrappingTextBoxFlag xmlns:ma14="http://schemas.microsoft.com/office/mac/drawingml/2011/main" xmlns="" val="1"/>
+                <ma14:wrappingTextBoxFlag xmlns="" xmlns:ma14="http://schemas.microsoft.com/office/mac/drawingml/2011/main" val="1"/>
               </a:ext>
             </a:extLst>
           </p:spPr>
@@ -3890,7 +3873,7 @@
             </a:ln>
             <a:extLst>
               <a:ext uri="{C572A759-6A51-4108-AA02-DFA0A04FC94B}">
-                <ma14:wrappingTextBoxFlag xmlns:ma14="http://schemas.microsoft.com/office/mac/drawingml/2011/main" xmlns="" val="1"/>
+                <ma14:wrappingTextBoxFlag xmlns="" xmlns:ma14="http://schemas.microsoft.com/office/mac/drawingml/2011/main" val="1"/>
               </a:ext>
             </a:extLst>
           </p:spPr>
@@ -3977,7 +3960,7 @@
             </a:ln>
             <a:extLst>
               <a:ext uri="{C572A759-6A51-4108-AA02-DFA0A04FC94B}">
-                <ma14:wrappingTextBoxFlag xmlns:ma14="http://schemas.microsoft.com/office/mac/drawingml/2011/main" xmlns="" val="1"/>
+                <ma14:wrappingTextBoxFlag xmlns="" xmlns:ma14="http://schemas.microsoft.com/office/mac/drawingml/2011/main" val="1"/>
               </a:ext>
             </a:extLst>
           </p:spPr>
@@ -4024,7 +4007,7 @@
             </a:ln>
             <a:extLst>
               <a:ext uri="{C572A759-6A51-4108-AA02-DFA0A04FC94B}">
-                <ma14:wrappingTextBoxFlag xmlns:ma14="http://schemas.microsoft.com/office/mac/drawingml/2011/main" xmlns="" val="1"/>
+                <ma14:wrappingTextBoxFlag xmlns="" xmlns:ma14="http://schemas.microsoft.com/office/mac/drawingml/2011/main" val="1"/>
               </a:ext>
             </a:extLst>
           </p:spPr>
@@ -4176,7 +4159,7 @@
             </a:ln>
             <a:extLst>
               <a:ext uri="{C572A759-6A51-4108-AA02-DFA0A04FC94B}">
-                <ma14:wrappingTextBoxFlag xmlns:ma14="http://schemas.microsoft.com/office/mac/drawingml/2011/main" xmlns="" val="1"/>
+                <ma14:wrappingTextBoxFlag xmlns="" xmlns:ma14="http://schemas.microsoft.com/office/mac/drawingml/2011/main" val="1"/>
               </a:ext>
             </a:extLst>
           </p:spPr>
@@ -4381,7 +4364,7 @@
             </a:ln>
             <a:extLst>
               <a:ext uri="{C572A759-6A51-4108-AA02-DFA0A04FC94B}">
-                <ma14:wrappingTextBoxFlag xmlns:ma14="http://schemas.microsoft.com/office/mac/drawingml/2011/main" xmlns="" val="1"/>
+                <ma14:wrappingTextBoxFlag xmlns="" xmlns:ma14="http://schemas.microsoft.com/office/mac/drawingml/2011/main" val="1"/>
               </a:ext>
             </a:extLst>
           </p:spPr>
@@ -4476,7 +4459,7 @@
             </a:ln>
             <a:extLst>
               <a:ext uri="{C572A759-6A51-4108-AA02-DFA0A04FC94B}">
-                <ma14:wrappingTextBoxFlag xmlns:ma14="http://schemas.microsoft.com/office/mac/drawingml/2011/main" xmlns="" val="1"/>
+                <ma14:wrappingTextBoxFlag xmlns="" xmlns:ma14="http://schemas.microsoft.com/office/mac/drawingml/2011/main" val="1"/>
               </a:ext>
             </a:extLst>
           </p:spPr>
@@ -4567,7 +4550,7 @@
             </a:ln>
             <a:extLst>
               <a:ext uri="{C572A759-6A51-4108-AA02-DFA0A04FC94B}">
-                <ma14:wrappingTextBoxFlag xmlns:ma14="http://schemas.microsoft.com/office/mac/drawingml/2011/main" xmlns="" val="1"/>
+                <ma14:wrappingTextBoxFlag xmlns="" xmlns:ma14="http://schemas.microsoft.com/office/mac/drawingml/2011/main" val="1"/>
               </a:ext>
             </a:extLst>
           </p:spPr>
@@ -4746,7 +4729,7 @@
             </a:ln>
             <a:extLst>
               <a:ext uri="{C572A759-6A51-4108-AA02-DFA0A04FC94B}">
-                <ma14:wrappingTextBoxFlag xmlns:ma14="http://schemas.microsoft.com/office/mac/drawingml/2011/main" xmlns="" val="1"/>
+                <ma14:wrappingTextBoxFlag xmlns="" xmlns:ma14="http://schemas.microsoft.com/office/mac/drawingml/2011/main" val="1"/>
               </a:ext>
             </a:extLst>
           </p:spPr>
@@ -4962,7 +4945,7 @@
             </a:ln>
             <a:extLst>
               <a:ext uri="{C572A759-6A51-4108-AA02-DFA0A04FC94B}">
-                <ma14:wrappingTextBoxFlag xmlns:ma14="http://schemas.microsoft.com/office/mac/drawingml/2011/main" xmlns="" val="1"/>
+                <ma14:wrappingTextBoxFlag xmlns="" xmlns:ma14="http://schemas.microsoft.com/office/mac/drawingml/2011/main" val="1"/>
               </a:ext>
             </a:extLst>
           </p:spPr>
@@ -5017,7 +5000,7 @@
             </a:ln>
             <a:extLst>
               <a:ext uri="{C572A759-6A51-4108-AA02-DFA0A04FC94B}">
-                <ma14:wrappingTextBoxFlag xmlns:ma14="http://schemas.microsoft.com/office/mac/drawingml/2011/main" xmlns="" val="1"/>
+                <ma14:wrappingTextBoxFlag xmlns="" xmlns:ma14="http://schemas.microsoft.com/office/mac/drawingml/2011/main" val="1"/>
               </a:ext>
             </a:extLst>
           </p:spPr>
@@ -5072,7 +5055,7 @@
           </a:ln>
           <a:extLst>
             <a:ext uri="{C572A759-6A51-4108-AA02-DFA0A04FC94B}">
-              <ma14:wrappingTextBoxFlag xmlns:ma14="http://schemas.microsoft.com/office/mac/drawingml/2011/main" xmlns="" val="1"/>
+              <ma14:wrappingTextBoxFlag xmlns="" xmlns:ma14="http://schemas.microsoft.com/office/mac/drawingml/2011/main" val="1"/>
             </a:ext>
           </a:extLst>
         </p:spPr>
@@ -5255,7 +5238,7 @@
           </a:ln>
           <a:extLst>
             <a:ext uri="{C572A759-6A51-4108-AA02-DFA0A04FC94B}">
-              <ma14:wrappingTextBoxFlag xmlns:ma14="http://schemas.microsoft.com/office/mac/drawingml/2011/main" xmlns="" val="1"/>
+              <ma14:wrappingTextBoxFlag xmlns="" xmlns:ma14="http://schemas.microsoft.com/office/mac/drawingml/2011/main" val="1"/>
             </a:ext>
           </a:extLst>
         </p:spPr>
@@ -5380,7 +5363,7 @@
           </a:ln>
           <a:extLst>
             <a:ext uri="{C572A759-6A51-4108-AA02-DFA0A04FC94B}">
-              <ma14:wrappingTextBoxFlag xmlns:ma14="http://schemas.microsoft.com/office/mac/drawingml/2011/main" xmlns="" val="1"/>
+              <ma14:wrappingTextBoxFlag xmlns="" xmlns:ma14="http://schemas.microsoft.com/office/mac/drawingml/2011/main" val="1"/>
             </a:ext>
           </a:extLst>
         </p:spPr>
@@ -5627,7 +5610,7 @@
             </a:ln>
             <a:extLst>
               <a:ext uri="{C572A759-6A51-4108-AA02-DFA0A04FC94B}">
-                <ma14:wrappingTextBoxFlag xmlns:ma14="http://schemas.microsoft.com/office/mac/drawingml/2011/main" xmlns="" val="1"/>
+                <ma14:wrappingTextBoxFlag xmlns="" xmlns:ma14="http://schemas.microsoft.com/office/mac/drawingml/2011/main" val="1"/>
               </a:ext>
             </a:extLst>
           </p:spPr>
@@ -5800,7 +5783,7 @@
             </a:ln>
             <a:extLst>
               <a:ext uri="{C572A759-6A51-4108-AA02-DFA0A04FC94B}">
-                <ma14:wrappingTextBoxFlag xmlns:ma14="http://schemas.microsoft.com/office/mac/drawingml/2011/main" xmlns="" val="1"/>
+                <ma14:wrappingTextBoxFlag xmlns="" xmlns:ma14="http://schemas.microsoft.com/office/mac/drawingml/2011/main" val="1"/>
               </a:ext>
             </a:extLst>
           </p:spPr>
@@ -5851,7 +5834,7 @@
             </a:ln>
             <a:extLst>
               <a:ext uri="{C572A759-6A51-4108-AA02-DFA0A04FC94B}">
-                <ma14:wrappingTextBoxFlag xmlns:ma14="http://schemas.microsoft.com/office/mac/drawingml/2011/main" xmlns="" val="1"/>
+                <ma14:wrappingTextBoxFlag xmlns="" xmlns:ma14="http://schemas.microsoft.com/office/mac/drawingml/2011/main" val="1"/>
               </a:ext>
             </a:extLst>
           </p:spPr>
@@ -6008,7 +5991,7 @@
             </a:ln>
             <a:extLst>
               <a:ext uri="{C572A759-6A51-4108-AA02-DFA0A04FC94B}">
-                <ma14:wrappingTextBoxFlag xmlns:ma14="http://schemas.microsoft.com/office/mac/drawingml/2011/main" xmlns="" val="1"/>
+                <ma14:wrappingTextBoxFlag xmlns="" xmlns:ma14="http://schemas.microsoft.com/office/mac/drawingml/2011/main" val="1"/>
               </a:ext>
             </a:extLst>
           </p:spPr>
@@ -6235,7 +6218,7 @@
             </a:ln>
             <a:extLst>
               <a:ext uri="{C572A759-6A51-4108-AA02-DFA0A04FC94B}">
-                <ma14:wrappingTextBoxFlag xmlns:ma14="http://schemas.microsoft.com/office/mac/drawingml/2011/main" xmlns="" val="1"/>
+                <ma14:wrappingTextBoxFlag xmlns="" xmlns:ma14="http://schemas.microsoft.com/office/mac/drawingml/2011/main" val="1"/>
               </a:ext>
             </a:extLst>
           </p:spPr>
@@ -6283,7 +6266,7 @@
             </a:ln>
             <a:extLst>
               <a:ext uri="{C572A759-6A51-4108-AA02-DFA0A04FC94B}">
-                <ma14:wrappingTextBoxFlag xmlns:ma14="http://schemas.microsoft.com/office/mac/drawingml/2011/main" xmlns="" val="1"/>
+                <ma14:wrappingTextBoxFlag xmlns="" xmlns:ma14="http://schemas.microsoft.com/office/mac/drawingml/2011/main" val="1"/>
               </a:ext>
             </a:extLst>
           </p:spPr>
@@ -6331,7 +6314,7 @@
             </a:ln>
             <a:extLst>
               <a:ext uri="{C572A759-6A51-4108-AA02-DFA0A04FC94B}">
-                <ma14:wrappingTextBoxFlag xmlns:ma14="http://schemas.microsoft.com/office/mac/drawingml/2011/main" xmlns="" val="1"/>
+                <ma14:wrappingTextBoxFlag xmlns="" xmlns:ma14="http://schemas.microsoft.com/office/mac/drawingml/2011/main" val="1"/>
               </a:ext>
             </a:extLst>
           </p:spPr>
@@ -6379,7 +6362,7 @@
             </a:ln>
             <a:extLst>
               <a:ext uri="{C572A759-6A51-4108-AA02-DFA0A04FC94B}">
-                <ma14:wrappingTextBoxFlag xmlns:ma14="http://schemas.microsoft.com/office/mac/drawingml/2011/main" xmlns="" val="1"/>
+                <ma14:wrappingTextBoxFlag xmlns="" xmlns:ma14="http://schemas.microsoft.com/office/mac/drawingml/2011/main" val="1"/>
               </a:ext>
             </a:extLst>
           </p:spPr>
@@ -6427,7 +6410,7 @@
             </a:ln>
             <a:extLst>
               <a:ext uri="{C572A759-6A51-4108-AA02-DFA0A04FC94B}">
-                <ma14:wrappingTextBoxFlag xmlns:ma14="http://schemas.microsoft.com/office/mac/drawingml/2011/main" xmlns="" val="1"/>
+                <ma14:wrappingTextBoxFlag xmlns="" xmlns:ma14="http://schemas.microsoft.com/office/mac/drawingml/2011/main" val="1"/>
               </a:ext>
             </a:extLst>
           </p:spPr>
@@ -6475,7 +6458,7 @@
             </a:ln>
             <a:extLst>
               <a:ext uri="{C572A759-6A51-4108-AA02-DFA0A04FC94B}">
-                <ma14:wrappingTextBoxFlag xmlns:ma14="http://schemas.microsoft.com/office/mac/drawingml/2011/main" xmlns="" val="1"/>
+                <ma14:wrappingTextBoxFlag xmlns="" xmlns:ma14="http://schemas.microsoft.com/office/mac/drawingml/2011/main" val="1"/>
               </a:ext>
             </a:extLst>
           </p:spPr>
@@ -6523,7 +6506,7 @@
             </a:ln>
             <a:extLst>
               <a:ext uri="{C572A759-6A51-4108-AA02-DFA0A04FC94B}">
-                <ma14:wrappingTextBoxFlag xmlns:ma14="http://schemas.microsoft.com/office/mac/drawingml/2011/main" xmlns="" val="1"/>
+                <ma14:wrappingTextBoxFlag xmlns="" xmlns:ma14="http://schemas.microsoft.com/office/mac/drawingml/2011/main" val="1"/>
               </a:ext>
             </a:extLst>
           </p:spPr>
@@ -6568,7 +6551,7 @@
             </a:ln>
             <a:extLst>
               <a:ext uri="{C572A759-6A51-4108-AA02-DFA0A04FC94B}">
-                <ma14:wrappingTextBoxFlag xmlns:ma14="http://schemas.microsoft.com/office/mac/drawingml/2011/main" xmlns="" val="1"/>
+                <ma14:wrappingTextBoxFlag xmlns="" xmlns:ma14="http://schemas.microsoft.com/office/mac/drawingml/2011/main" val="1"/>
               </a:ext>
             </a:extLst>
           </p:spPr>
@@ -6620,7 +6603,7 @@
           </a:ln>
           <a:extLst>
             <a:ext uri="{C572A759-6A51-4108-AA02-DFA0A04FC94B}">
-              <ma14:wrappingTextBoxFlag xmlns:ma14="http://schemas.microsoft.com/office/mac/drawingml/2011/main" xmlns="" val="1"/>
+              <ma14:wrappingTextBoxFlag xmlns="" xmlns:ma14="http://schemas.microsoft.com/office/mac/drawingml/2011/main" val="1"/>
             </a:ext>
           </a:extLst>
         </p:spPr>
@@ -6676,7 +6659,7 @@
           </a:ln>
           <a:extLst>
             <a:ext uri="{C572A759-6A51-4108-AA02-DFA0A04FC94B}">
-              <ma14:wrappingTextBoxFlag xmlns:ma14="http://schemas.microsoft.com/office/mac/drawingml/2011/main" xmlns="" val="1"/>
+              <ma14:wrappingTextBoxFlag xmlns="" xmlns:ma14="http://schemas.microsoft.com/office/mac/drawingml/2011/main" val="1"/>
             </a:ext>
           </a:extLst>
         </p:spPr>
@@ -6731,7 +6714,7 @@
           </a:ln>
           <a:extLst>
             <a:ext uri="{C572A759-6A51-4108-AA02-DFA0A04FC94B}">
-              <ma14:wrappingTextBoxFlag xmlns:ma14="http://schemas.microsoft.com/office/mac/drawingml/2011/main" xmlns="" val="1"/>
+              <ma14:wrappingTextBoxFlag xmlns="" xmlns:ma14="http://schemas.microsoft.com/office/mac/drawingml/2011/main" val="1"/>
             </a:ext>
           </a:extLst>
         </p:spPr>
@@ -6783,7 +6766,7 @@
           </a:ln>
           <a:extLst>
             <a:ext uri="{C572A759-6A51-4108-AA02-DFA0A04FC94B}">
-              <ma14:wrappingTextBoxFlag xmlns:ma14="http://schemas.microsoft.com/office/mac/drawingml/2011/main" xmlns="" val="1"/>
+              <ma14:wrappingTextBoxFlag xmlns="" xmlns:ma14="http://schemas.microsoft.com/office/mac/drawingml/2011/main" val="1"/>
             </a:ext>
           </a:extLst>
         </p:spPr>
@@ -6839,7 +6822,7 @@
           </a:ln>
           <a:extLst>
             <a:ext uri="{C572A759-6A51-4108-AA02-DFA0A04FC94B}">
-              <ma14:wrappingTextBoxFlag xmlns:ma14="http://schemas.microsoft.com/office/mac/drawingml/2011/main" xmlns="" val="1"/>
+              <ma14:wrappingTextBoxFlag xmlns="" xmlns:ma14="http://schemas.microsoft.com/office/mac/drawingml/2011/main" val="1"/>
             </a:ext>
           </a:extLst>
         </p:spPr>
@@ -6895,7 +6878,7 @@
           </a:ln>
           <a:extLst>
             <a:ext uri="{C572A759-6A51-4108-AA02-DFA0A04FC94B}">
-              <ma14:wrappingTextBoxFlag xmlns:ma14="http://schemas.microsoft.com/office/mac/drawingml/2011/main" xmlns="" val="1"/>
+              <ma14:wrappingTextBoxFlag xmlns="" xmlns:ma14="http://schemas.microsoft.com/office/mac/drawingml/2011/main" val="1"/>
             </a:ext>
           </a:extLst>
         </p:spPr>
@@ -6934,10 +6917,10 @@
       </p:sp>
       <p:sp>
         <p:nvSpPr>
-          <p:cNvPr id="37" name="Shape 127">
+          <p:cNvPr id="38" name="Shape 127">
             <a:extLst>
               <a:ext uri="{FF2B5EF4-FFF2-40B4-BE49-F238E27FC236}">
-                <a16:creationId xmlns:a16="http://schemas.microsoft.com/office/drawing/2014/main" id="{545B3713-BFB8-984A-844A-7C7AF2819229}"/>
+                <a16:creationId xmlns:a16="http://schemas.microsoft.com/office/drawing/2014/main" id="{65B3075B-5197-E749-A4A9-561EF58A9061}"/>
               </a:ext>
             </a:extLst>
           </p:cNvPr>
@@ -6946,8 +6929,8 @@
         </p:nvSpPr>
         <p:spPr>
           <a:xfrm>
-            <a:off x="15684512" y="12505104"/>
-            <a:ext cx="8180122" cy="759822"/>
+            <a:off x="11371385" y="12658992"/>
+            <a:ext cx="12493249" cy="452046"/>
           </a:xfrm>
           <a:prstGeom prst="rect">
             <a:avLst/>
@@ -6957,12 +6940,12 @@
           </a:ln>
           <a:extLst>
             <a:ext uri="{C572A759-6A51-4108-AA02-DFA0A04FC94B}">
-              <ma14:wrappingTextBoxFlag xmlns:ma14="http://schemas.microsoft.com/office/mac/drawingml/2011/main" xmlns="" val="1"/>
+              <ma14:wrappingTextBoxFlag xmlns="" xmlns:ma14="http://schemas.microsoft.com/office/mac/drawingml/2011/main" val="1"/>
             </a:ext>
           </a:extLst>
         </p:spPr>
         <p:txBody>
-          <a:bodyPr wrap="none" lIns="71437" tIns="71437" rIns="71437" bIns="71437" anchor="ctr">
+          <a:bodyPr wrap="square" lIns="71437" tIns="71437" rIns="71437" bIns="71437" anchor="ctr">
             <a:spAutoFit/>
           </a:bodyPr>
           <a:lstStyle/>
@@ -7000,24 +6983,7 @@
             </a:r>
             <a:r>
               <a:rPr lang="en-AU" dirty="0"/>
-              <a:t>/photos/</a:t>
-            </a:r>
-          </a:p>
-          <a:p>
-            <a:pPr algn="r">
-              <a:defRPr sz="2000" b="0">
-                <a:solidFill>
-                  <a:srgbClr val="919191"/>
-                </a:solidFill>
-                <a:latin typeface="Montserrat Medium"/>
-                <a:ea typeface="Montserrat Medium"/>
-                <a:cs typeface="Montserrat Medium"/>
-                <a:sym typeface="Montserrat Medium"/>
-              </a:defRPr>
-            </a:pPr>
-            <a:r>
-              <a:rPr lang="en-AU" dirty="0"/>
-              <a:t>u2VPMFRrhGU</a:t>
+              <a:t>/photos/u2VPMFRrhGU</a:t>
             </a:r>
           </a:p>
         </p:txBody>
@@ -7073,7 +7039,7 @@
           </a:ln>
           <a:extLst>
             <a:ext uri="{C572A759-6A51-4108-AA02-DFA0A04FC94B}">
-              <ma14:wrappingTextBoxFlag xmlns:ma14="http://schemas.microsoft.com/office/mac/drawingml/2011/main" xmlns="" val="1"/>
+              <ma14:wrappingTextBoxFlag xmlns="" xmlns:ma14="http://schemas.microsoft.com/office/mac/drawingml/2011/main" val="1"/>
             </a:ext>
           </a:extLst>
         </p:spPr>
@@ -7135,7 +7101,7 @@
           </a:ln>
           <a:extLst>
             <a:ext uri="{C572A759-6A51-4108-AA02-DFA0A04FC94B}">
-              <ma14:wrappingTextBoxFlag xmlns:ma14="http://schemas.microsoft.com/office/mac/drawingml/2011/main" xmlns="" val="1"/>
+              <ma14:wrappingTextBoxFlag xmlns="" xmlns:ma14="http://schemas.microsoft.com/office/mac/drawingml/2011/main" val="1"/>
             </a:ext>
           </a:extLst>
         </p:spPr>
@@ -7197,7 +7163,7 @@
           </a:ln>
           <a:extLst>
             <a:ext uri="{C572A759-6A51-4108-AA02-DFA0A04FC94B}">
-              <ma14:wrappingTextBoxFlag xmlns:ma14="http://schemas.microsoft.com/office/mac/drawingml/2011/main" xmlns="" val="1"/>
+              <ma14:wrappingTextBoxFlag xmlns="" xmlns:ma14="http://schemas.microsoft.com/office/mac/drawingml/2011/main" val="1"/>
             </a:ext>
           </a:extLst>
         </p:spPr>
@@ -7258,7 +7224,7 @@
           </a:ln>
           <a:extLst>
             <a:ext uri="{C572A759-6A51-4108-AA02-DFA0A04FC94B}">
-              <ma14:wrappingTextBoxFlag xmlns:ma14="http://schemas.microsoft.com/office/mac/drawingml/2011/main" xmlns="" val="1"/>
+              <ma14:wrappingTextBoxFlag xmlns="" xmlns:ma14="http://schemas.microsoft.com/office/mac/drawingml/2011/main" val="1"/>
             </a:ext>
           </a:extLst>
         </p:spPr>
@@ -7316,7 +7282,7 @@
           </a:ln>
           <a:extLst>
             <a:ext uri="{C572A759-6A51-4108-AA02-DFA0A04FC94B}">
-              <ma14:wrappingTextBoxFlag xmlns:ma14="http://schemas.microsoft.com/office/mac/drawingml/2011/main" xmlns="" val="1"/>
+              <ma14:wrappingTextBoxFlag xmlns="" xmlns:ma14="http://schemas.microsoft.com/office/mac/drawingml/2011/main" val="1"/>
             </a:ext>
           </a:extLst>
         </p:spPr>
@@ -7378,7 +7344,7 @@
           </a:ln>
           <a:extLst>
             <a:ext uri="{C572A759-6A51-4108-AA02-DFA0A04FC94B}">
-              <ma14:wrappingTextBoxFlag xmlns:ma14="http://schemas.microsoft.com/office/mac/drawingml/2011/main" xmlns="" val="1"/>
+              <ma14:wrappingTextBoxFlag xmlns="" xmlns:ma14="http://schemas.microsoft.com/office/mac/drawingml/2011/main" val="1"/>
             </a:ext>
           </a:extLst>
         </p:spPr>
@@ -7440,7 +7406,7 @@
           </a:ln>
           <a:extLst>
             <a:ext uri="{C572A759-6A51-4108-AA02-DFA0A04FC94B}">
-              <ma14:wrappingTextBoxFlag xmlns:ma14="http://schemas.microsoft.com/office/mac/drawingml/2011/main" xmlns="" val="1"/>
+              <ma14:wrappingTextBoxFlag xmlns="" xmlns:ma14="http://schemas.microsoft.com/office/mac/drawingml/2011/main" val="1"/>
             </a:ext>
           </a:extLst>
         </p:spPr>
@@ -7565,7 +7531,7 @@
           </a:ln>
           <a:extLst>
             <a:ext uri="{C572A759-6A51-4108-AA02-DFA0A04FC94B}">
-              <ma14:wrappingTextBoxFlag xmlns:ma14="http://schemas.microsoft.com/office/mac/drawingml/2011/main" xmlns="" val="1"/>
+              <ma14:wrappingTextBoxFlag xmlns="" xmlns:ma14="http://schemas.microsoft.com/office/mac/drawingml/2011/main" val="1"/>
             </a:ext>
           </a:extLst>
         </p:spPr>
@@ -7713,7 +7679,7 @@
             </a:ln>
             <a:extLst>
               <a:ext uri="{C572A759-6A51-4108-AA02-DFA0A04FC94B}">
-                <ma14:wrappingTextBoxFlag xmlns:ma14="http://schemas.microsoft.com/office/mac/drawingml/2011/main" xmlns="" val="1"/>
+                <ma14:wrappingTextBoxFlag xmlns="" xmlns:ma14="http://schemas.microsoft.com/office/mac/drawingml/2011/main" val="1"/>
               </a:ext>
             </a:extLst>
           </p:spPr>
@@ -7774,7 +7740,7 @@
             </a:ln>
             <a:extLst>
               <a:ext uri="{C572A759-6A51-4108-AA02-DFA0A04FC94B}">
-                <ma14:wrappingTextBoxFlag xmlns:ma14="http://schemas.microsoft.com/office/mac/drawingml/2011/main" xmlns="" val="1"/>
+                <ma14:wrappingTextBoxFlag xmlns="" xmlns:ma14="http://schemas.microsoft.com/office/mac/drawingml/2011/main" val="1"/>
               </a:ext>
             </a:extLst>
           </p:spPr>
@@ -7876,7 +7842,7 @@
             </a:ln>
             <a:extLst>
               <a:ext uri="{C572A759-6A51-4108-AA02-DFA0A04FC94B}">
-                <ma14:wrappingTextBoxFlag xmlns:ma14="http://schemas.microsoft.com/office/mac/drawingml/2011/main" xmlns="" val="1"/>
+                <ma14:wrappingTextBoxFlag xmlns="" xmlns:ma14="http://schemas.microsoft.com/office/mac/drawingml/2011/main" val="1"/>
               </a:ext>
             </a:extLst>
           </p:spPr>
@@ -7931,7 +7897,7 @@
             </a:ln>
             <a:extLst>
               <a:ext uri="{C572A759-6A51-4108-AA02-DFA0A04FC94B}">
-                <ma14:wrappingTextBoxFlag xmlns:ma14="http://schemas.microsoft.com/office/mac/drawingml/2011/main" xmlns="" val="1"/>
+                <ma14:wrappingTextBoxFlag xmlns="" xmlns:ma14="http://schemas.microsoft.com/office/mac/drawingml/2011/main" val="1"/>
               </a:ext>
             </a:extLst>
           </p:spPr>
@@ -7985,7 +7951,7 @@
             </a:ln>
             <a:extLst>
               <a:ext uri="{C572A759-6A51-4108-AA02-DFA0A04FC94B}">
-                <ma14:wrappingTextBoxFlag xmlns:ma14="http://schemas.microsoft.com/office/mac/drawingml/2011/main" xmlns="" val="1"/>
+                <ma14:wrappingTextBoxFlag xmlns="" xmlns:ma14="http://schemas.microsoft.com/office/mac/drawingml/2011/main" val="1"/>
               </a:ext>
             </a:extLst>
           </p:spPr>
@@ -8039,7 +8005,7 @@
             </a:ln>
             <a:extLst>
               <a:ext uri="{C572A759-6A51-4108-AA02-DFA0A04FC94B}">
-                <ma14:wrappingTextBoxFlag xmlns:ma14="http://schemas.microsoft.com/office/mac/drawingml/2011/main" xmlns="" val="1"/>
+                <ma14:wrappingTextBoxFlag xmlns="" xmlns:ma14="http://schemas.microsoft.com/office/mac/drawingml/2011/main" val="1"/>
               </a:ext>
             </a:extLst>
           </p:spPr>
@@ -8093,7 +8059,7 @@
             </a:ln>
             <a:extLst>
               <a:ext uri="{C572A759-6A51-4108-AA02-DFA0A04FC94B}">
-                <ma14:wrappingTextBoxFlag xmlns:ma14="http://schemas.microsoft.com/office/mac/drawingml/2011/main" xmlns="" val="1"/>
+                <ma14:wrappingTextBoxFlag xmlns="" xmlns:ma14="http://schemas.microsoft.com/office/mac/drawingml/2011/main" val="1"/>
               </a:ext>
             </a:extLst>
           </p:spPr>
@@ -8147,7 +8113,7 @@
             </a:ln>
             <a:extLst>
               <a:ext uri="{C572A759-6A51-4108-AA02-DFA0A04FC94B}">
-                <ma14:wrappingTextBoxFlag xmlns:ma14="http://schemas.microsoft.com/office/mac/drawingml/2011/main" xmlns="" val="1"/>
+                <ma14:wrappingTextBoxFlag xmlns="" xmlns:ma14="http://schemas.microsoft.com/office/mac/drawingml/2011/main" val="1"/>
               </a:ext>
             </a:extLst>
           </p:spPr>
@@ -8201,7 +8167,7 @@
             </a:ln>
             <a:extLst>
               <a:ext uri="{C572A759-6A51-4108-AA02-DFA0A04FC94B}">
-                <ma14:wrappingTextBoxFlag xmlns:ma14="http://schemas.microsoft.com/office/mac/drawingml/2011/main" xmlns="" val="1"/>
+                <ma14:wrappingTextBoxFlag xmlns="" xmlns:ma14="http://schemas.microsoft.com/office/mac/drawingml/2011/main" val="1"/>
               </a:ext>
             </a:extLst>
           </p:spPr>
@@ -8503,7 +8469,7 @@
             </a:ln>
             <a:extLst>
               <a:ext uri="{C572A759-6A51-4108-AA02-DFA0A04FC94B}">
-                <ma14:wrappingTextBoxFlag xmlns:ma14="http://schemas.microsoft.com/office/mac/drawingml/2011/main" xmlns="" val="1"/>
+                <ma14:wrappingTextBoxFlag xmlns="" xmlns:ma14="http://schemas.microsoft.com/office/mac/drawingml/2011/main" val="1"/>
               </a:ext>
             </a:extLst>
           </p:spPr>
@@ -8694,7 +8660,7 @@
             </a:ln>
             <a:extLst>
               <a:ext uri="{C572A759-6A51-4108-AA02-DFA0A04FC94B}">
-                <ma14:wrappingTextBoxFlag xmlns:ma14="http://schemas.microsoft.com/office/mac/drawingml/2011/main" xmlns="" val="1"/>
+                <ma14:wrappingTextBoxFlag xmlns="" xmlns:ma14="http://schemas.microsoft.com/office/mac/drawingml/2011/main" val="1"/>
               </a:ext>
             </a:extLst>
           </p:spPr>
@@ -8751,7 +8717,7 @@
             </a:ln>
             <a:extLst>
               <a:ext uri="{C572A759-6A51-4108-AA02-DFA0A04FC94B}">
-                <ma14:wrappingTextBoxFlag xmlns:ma14="http://schemas.microsoft.com/office/mac/drawingml/2011/main" xmlns="" val="1"/>
+                <ma14:wrappingTextBoxFlag xmlns="" xmlns:ma14="http://schemas.microsoft.com/office/mac/drawingml/2011/main" val="1"/>
               </a:ext>
             </a:extLst>
           </p:spPr>
@@ -8926,7 +8892,7 @@
             </a:ln>
             <a:extLst>
               <a:ext uri="{C572A759-6A51-4108-AA02-DFA0A04FC94B}">
-                <ma14:wrappingTextBoxFlag xmlns:ma14="http://schemas.microsoft.com/office/mac/drawingml/2011/main" xmlns="" val="1"/>
+                <ma14:wrappingTextBoxFlag xmlns="" xmlns:ma14="http://schemas.microsoft.com/office/mac/drawingml/2011/main" val="1"/>
               </a:ext>
             </a:extLst>
           </p:spPr>
@@ -9131,7 +9097,7 @@
             </a:ln>
             <a:extLst>
               <a:ext uri="{C572A759-6A51-4108-AA02-DFA0A04FC94B}">
-                <ma14:wrappingTextBoxFlag xmlns:ma14="http://schemas.microsoft.com/office/mac/drawingml/2011/main" xmlns="" val="1"/>
+                <ma14:wrappingTextBoxFlag xmlns="" xmlns:ma14="http://schemas.microsoft.com/office/mac/drawingml/2011/main" val="1"/>
               </a:ext>
             </a:extLst>
           </p:spPr>
@@ -9185,7 +9151,7 @@
             </a:ln>
             <a:extLst>
               <a:ext uri="{C572A759-6A51-4108-AA02-DFA0A04FC94B}">
-                <ma14:wrappingTextBoxFlag xmlns:ma14="http://schemas.microsoft.com/office/mac/drawingml/2011/main" xmlns="" val="1"/>
+                <ma14:wrappingTextBoxFlag xmlns="" xmlns:ma14="http://schemas.microsoft.com/office/mac/drawingml/2011/main" val="1"/>
               </a:ext>
             </a:extLst>
           </p:spPr>
@@ -9239,7 +9205,7 @@
             </a:ln>
             <a:extLst>
               <a:ext uri="{C572A759-6A51-4108-AA02-DFA0A04FC94B}">
-                <ma14:wrappingTextBoxFlag xmlns:ma14="http://schemas.microsoft.com/office/mac/drawingml/2011/main" xmlns="" val="1"/>
+                <ma14:wrappingTextBoxFlag xmlns="" xmlns:ma14="http://schemas.microsoft.com/office/mac/drawingml/2011/main" val="1"/>
               </a:ext>
             </a:extLst>
           </p:spPr>
@@ -9293,7 +9259,7 @@
             </a:ln>
             <a:extLst>
               <a:ext uri="{C572A759-6A51-4108-AA02-DFA0A04FC94B}">
-                <ma14:wrappingTextBoxFlag xmlns:ma14="http://schemas.microsoft.com/office/mac/drawingml/2011/main" xmlns="" val="1"/>
+                <ma14:wrappingTextBoxFlag xmlns="" xmlns:ma14="http://schemas.microsoft.com/office/mac/drawingml/2011/main" val="1"/>
               </a:ext>
             </a:extLst>
           </p:spPr>
@@ -9347,7 +9313,7 @@
             </a:ln>
             <a:extLst>
               <a:ext uri="{C572A759-6A51-4108-AA02-DFA0A04FC94B}">
-                <ma14:wrappingTextBoxFlag xmlns:ma14="http://schemas.microsoft.com/office/mac/drawingml/2011/main" xmlns="" val="1"/>
+                <ma14:wrappingTextBoxFlag xmlns="" xmlns:ma14="http://schemas.microsoft.com/office/mac/drawingml/2011/main" val="1"/>
               </a:ext>
             </a:extLst>
           </p:spPr>
@@ -9398,7 +9364,7 @@
             </a:ln>
             <a:extLst>
               <a:ext uri="{C572A759-6A51-4108-AA02-DFA0A04FC94B}">
-                <ma14:wrappingTextBoxFlag xmlns:ma14="http://schemas.microsoft.com/office/mac/drawingml/2011/main" xmlns="" val="1"/>
+                <ma14:wrappingTextBoxFlag xmlns="" xmlns:ma14="http://schemas.microsoft.com/office/mac/drawingml/2011/main" val="1"/>
               </a:ext>
             </a:extLst>
           </p:spPr>
@@ -9510,10 +9476,10 @@
       </p:sp>
       <p:sp>
         <p:nvSpPr>
-          <p:cNvPr id="45" name="Shape 127">
+          <p:cNvPr id="50" name="Shape 127">
             <a:extLst>
               <a:ext uri="{FF2B5EF4-FFF2-40B4-BE49-F238E27FC236}">
-                <a16:creationId xmlns:a16="http://schemas.microsoft.com/office/drawing/2014/main" id="{F8AF3140-2039-9346-8443-94EDFCE2AAFF}"/>
+                <a16:creationId xmlns:a16="http://schemas.microsoft.com/office/drawing/2014/main" id="{835EB6BE-A61A-7044-927C-BB1D4D9E904B}"/>
               </a:ext>
             </a:extLst>
           </p:cNvPr>
@@ -9522,8 +9488,8 @@
         </p:nvSpPr>
         <p:spPr>
           <a:xfrm>
-            <a:off x="15684512" y="12505104"/>
-            <a:ext cx="8180122" cy="759822"/>
+            <a:off x="11371385" y="12658992"/>
+            <a:ext cx="12493249" cy="452046"/>
           </a:xfrm>
           <a:prstGeom prst="rect">
             <a:avLst/>
@@ -9533,12 +9499,12 @@
           </a:ln>
           <a:extLst>
             <a:ext uri="{C572A759-6A51-4108-AA02-DFA0A04FC94B}">
-              <ma14:wrappingTextBoxFlag xmlns:ma14="http://schemas.microsoft.com/office/mac/drawingml/2011/main" xmlns="" val="1"/>
+              <ma14:wrappingTextBoxFlag xmlns="" xmlns:ma14="http://schemas.microsoft.com/office/mac/drawingml/2011/main" val="1"/>
             </a:ext>
           </a:extLst>
         </p:spPr>
         <p:txBody>
-          <a:bodyPr wrap="none" lIns="71437" tIns="71437" rIns="71437" bIns="71437" anchor="ctr">
+          <a:bodyPr wrap="square" lIns="71437" tIns="71437" rIns="71437" bIns="71437" anchor="ctr">
             <a:spAutoFit/>
           </a:bodyPr>
           <a:lstStyle/>
@@ -9576,24 +9542,7 @@
             </a:r>
             <a:r>
               <a:rPr lang="en-AU" dirty="0"/>
-              <a:t>/photos/</a:t>
-            </a:r>
-          </a:p>
-          <a:p>
-            <a:pPr algn="r">
-              <a:defRPr sz="2000" b="0">
-                <a:solidFill>
-                  <a:srgbClr val="919191"/>
-                </a:solidFill>
-                <a:latin typeface="Montserrat Medium"/>
-                <a:ea typeface="Montserrat Medium"/>
-                <a:cs typeface="Montserrat Medium"/>
-                <a:sym typeface="Montserrat Medium"/>
-              </a:defRPr>
-            </a:pPr>
-            <a:r>
-              <a:rPr lang="en-AU" dirty="0"/>
-              <a:t>u2VPMFRrhGU</a:t>
+              <a:t>/photos/u2VPMFRrhGU</a:t>
             </a:r>
           </a:p>
         </p:txBody>
@@ -9649,7 +9598,7 @@
           </a:ln>
           <a:extLst>
             <a:ext uri="{C572A759-6A51-4108-AA02-DFA0A04FC94B}">
-              <ma14:wrappingTextBoxFlag xmlns:ma14="http://schemas.microsoft.com/office/mac/drawingml/2011/main" xmlns="" val="1"/>
+              <ma14:wrappingTextBoxFlag xmlns="" xmlns:ma14="http://schemas.microsoft.com/office/mac/drawingml/2011/main" val="1"/>
             </a:ext>
           </a:extLst>
         </p:spPr>
@@ -9711,7 +9660,7 @@
           </a:ln>
           <a:extLst>
             <a:ext uri="{C572A759-6A51-4108-AA02-DFA0A04FC94B}">
-              <ma14:wrappingTextBoxFlag xmlns:ma14="http://schemas.microsoft.com/office/mac/drawingml/2011/main" xmlns="" val="1"/>
+              <ma14:wrappingTextBoxFlag xmlns="" xmlns:ma14="http://schemas.microsoft.com/office/mac/drawingml/2011/main" val="1"/>
             </a:ext>
           </a:extLst>
         </p:spPr>
@@ -9773,7 +9722,7 @@
           </a:ln>
           <a:extLst>
             <a:ext uri="{C572A759-6A51-4108-AA02-DFA0A04FC94B}">
-              <ma14:wrappingTextBoxFlag xmlns:ma14="http://schemas.microsoft.com/office/mac/drawingml/2011/main" xmlns="" val="1"/>
+              <ma14:wrappingTextBoxFlag xmlns="" xmlns:ma14="http://schemas.microsoft.com/office/mac/drawingml/2011/main" val="1"/>
             </a:ext>
           </a:extLst>
         </p:spPr>
@@ -9834,7 +9783,7 @@
           </a:ln>
           <a:extLst>
             <a:ext uri="{C572A759-6A51-4108-AA02-DFA0A04FC94B}">
-              <ma14:wrappingTextBoxFlag xmlns:ma14="http://schemas.microsoft.com/office/mac/drawingml/2011/main" xmlns="" val="1"/>
+              <ma14:wrappingTextBoxFlag xmlns="" xmlns:ma14="http://schemas.microsoft.com/office/mac/drawingml/2011/main" val="1"/>
             </a:ext>
           </a:extLst>
         </p:spPr>
@@ -9892,7 +9841,7 @@
           </a:ln>
           <a:extLst>
             <a:ext uri="{C572A759-6A51-4108-AA02-DFA0A04FC94B}">
-              <ma14:wrappingTextBoxFlag xmlns:ma14="http://schemas.microsoft.com/office/mac/drawingml/2011/main" xmlns="" val="1"/>
+              <ma14:wrappingTextBoxFlag xmlns="" xmlns:ma14="http://schemas.microsoft.com/office/mac/drawingml/2011/main" val="1"/>
             </a:ext>
           </a:extLst>
         </p:spPr>
@@ -9954,7 +9903,7 @@
           </a:ln>
           <a:extLst>
             <a:ext uri="{C572A759-6A51-4108-AA02-DFA0A04FC94B}">
-              <ma14:wrappingTextBoxFlag xmlns:ma14="http://schemas.microsoft.com/office/mac/drawingml/2011/main" xmlns="" val="1"/>
+              <ma14:wrappingTextBoxFlag xmlns="" xmlns:ma14="http://schemas.microsoft.com/office/mac/drawingml/2011/main" val="1"/>
             </a:ext>
           </a:extLst>
         </p:spPr>
@@ -10016,7 +9965,7 @@
           </a:ln>
           <a:extLst>
             <a:ext uri="{C572A759-6A51-4108-AA02-DFA0A04FC94B}">
-              <ma14:wrappingTextBoxFlag xmlns:ma14="http://schemas.microsoft.com/office/mac/drawingml/2011/main" xmlns="" val="1"/>
+              <ma14:wrappingTextBoxFlag xmlns="" xmlns:ma14="http://schemas.microsoft.com/office/mac/drawingml/2011/main" val="1"/>
             </a:ext>
           </a:extLst>
         </p:spPr>
@@ -10141,7 +10090,7 @@
           </a:ln>
           <a:extLst>
             <a:ext uri="{C572A759-6A51-4108-AA02-DFA0A04FC94B}">
-              <ma14:wrappingTextBoxFlag xmlns:ma14="http://schemas.microsoft.com/office/mac/drawingml/2011/main" xmlns="" val="1"/>
+              <ma14:wrappingTextBoxFlag xmlns="" xmlns:ma14="http://schemas.microsoft.com/office/mac/drawingml/2011/main" val="1"/>
             </a:ext>
           </a:extLst>
         </p:spPr>
@@ -10320,7 +10269,7 @@
             </a:ln>
             <a:extLst>
               <a:ext uri="{C572A759-6A51-4108-AA02-DFA0A04FC94B}">
-                <ma14:wrappingTextBoxFlag xmlns:ma14="http://schemas.microsoft.com/office/mac/drawingml/2011/main" xmlns="" val="1"/>
+                <ma14:wrappingTextBoxFlag xmlns="" xmlns:ma14="http://schemas.microsoft.com/office/mac/drawingml/2011/main" val="1"/>
               </a:ext>
             </a:extLst>
           </p:spPr>
@@ -10368,7 +10317,7 @@
             </a:ln>
             <a:extLst>
               <a:ext uri="{C572A759-6A51-4108-AA02-DFA0A04FC94B}">
-                <ma14:wrappingTextBoxFlag xmlns:ma14="http://schemas.microsoft.com/office/mac/drawingml/2011/main" xmlns="" val="1"/>
+                <ma14:wrappingTextBoxFlag xmlns="" xmlns:ma14="http://schemas.microsoft.com/office/mac/drawingml/2011/main" val="1"/>
               </a:ext>
             </a:extLst>
           </p:spPr>
@@ -10416,7 +10365,7 @@
             </a:ln>
             <a:extLst>
               <a:ext uri="{C572A759-6A51-4108-AA02-DFA0A04FC94B}">
-                <ma14:wrappingTextBoxFlag xmlns:ma14="http://schemas.microsoft.com/office/mac/drawingml/2011/main" xmlns="" val="1"/>
+                <ma14:wrappingTextBoxFlag xmlns="" xmlns:ma14="http://schemas.microsoft.com/office/mac/drawingml/2011/main" val="1"/>
               </a:ext>
             </a:extLst>
           </p:spPr>
@@ -10464,7 +10413,7 @@
             </a:ln>
             <a:extLst>
               <a:ext uri="{C572A759-6A51-4108-AA02-DFA0A04FC94B}">
-                <ma14:wrappingTextBoxFlag xmlns:ma14="http://schemas.microsoft.com/office/mac/drawingml/2011/main" xmlns="" val="1"/>
+                <ma14:wrappingTextBoxFlag xmlns="" xmlns:ma14="http://schemas.microsoft.com/office/mac/drawingml/2011/main" val="1"/>
               </a:ext>
             </a:extLst>
           </p:spPr>
@@ -10512,7 +10461,7 @@
             </a:ln>
             <a:extLst>
               <a:ext uri="{C572A759-6A51-4108-AA02-DFA0A04FC94B}">
-                <ma14:wrappingTextBoxFlag xmlns:ma14="http://schemas.microsoft.com/office/mac/drawingml/2011/main" xmlns="" val="1"/>
+                <ma14:wrappingTextBoxFlag xmlns="" xmlns:ma14="http://schemas.microsoft.com/office/mac/drawingml/2011/main" val="1"/>
               </a:ext>
             </a:extLst>
           </p:spPr>
@@ -10560,7 +10509,7 @@
             </a:ln>
             <a:extLst>
               <a:ext uri="{C572A759-6A51-4108-AA02-DFA0A04FC94B}">
-                <ma14:wrappingTextBoxFlag xmlns:ma14="http://schemas.microsoft.com/office/mac/drawingml/2011/main" xmlns="" val="1"/>
+                <ma14:wrappingTextBoxFlag xmlns="" xmlns:ma14="http://schemas.microsoft.com/office/mac/drawingml/2011/main" val="1"/>
               </a:ext>
             </a:extLst>
           </p:spPr>
@@ -10608,7 +10557,7 @@
             </a:ln>
             <a:extLst>
               <a:ext uri="{C572A759-6A51-4108-AA02-DFA0A04FC94B}">
-                <ma14:wrappingTextBoxFlag xmlns:ma14="http://schemas.microsoft.com/office/mac/drawingml/2011/main" xmlns="" val="1"/>
+                <ma14:wrappingTextBoxFlag xmlns="" xmlns:ma14="http://schemas.microsoft.com/office/mac/drawingml/2011/main" val="1"/>
               </a:ext>
             </a:extLst>
           </p:spPr>
@@ -10659,7 +10608,7 @@
             </a:ln>
             <a:extLst>
               <a:ext uri="{C572A759-6A51-4108-AA02-DFA0A04FC94B}">
-                <ma14:wrappingTextBoxFlag xmlns:ma14="http://schemas.microsoft.com/office/mac/drawingml/2011/main" xmlns="" val="1"/>
+                <ma14:wrappingTextBoxFlag xmlns="" xmlns:ma14="http://schemas.microsoft.com/office/mac/drawingml/2011/main" val="1"/>
               </a:ext>
             </a:extLst>
           </p:spPr>
@@ -10966,7 +10915,7 @@
             </a:ln>
             <a:extLst>
               <a:ext uri="{C572A759-6A51-4108-AA02-DFA0A04FC94B}">
-                <ma14:wrappingTextBoxFlag xmlns:ma14="http://schemas.microsoft.com/office/mac/drawingml/2011/main" xmlns="" val="1"/>
+                <ma14:wrappingTextBoxFlag xmlns="" xmlns:ma14="http://schemas.microsoft.com/office/mac/drawingml/2011/main" val="1"/>
               </a:ext>
             </a:extLst>
           </p:spPr>
@@ -11157,7 +11106,7 @@
             </a:ln>
             <a:extLst>
               <a:ext uri="{C572A759-6A51-4108-AA02-DFA0A04FC94B}">
-                <ma14:wrappingTextBoxFlag xmlns:ma14="http://schemas.microsoft.com/office/mac/drawingml/2011/main" xmlns="" val="1"/>
+                <ma14:wrappingTextBoxFlag xmlns="" xmlns:ma14="http://schemas.microsoft.com/office/mac/drawingml/2011/main" val="1"/>
               </a:ext>
             </a:extLst>
           </p:spPr>
@@ -11214,7 +11163,7 @@
             </a:ln>
             <a:extLst>
               <a:ext uri="{C572A759-6A51-4108-AA02-DFA0A04FC94B}">
-                <ma14:wrappingTextBoxFlag xmlns:ma14="http://schemas.microsoft.com/office/mac/drawingml/2011/main" xmlns="" val="1"/>
+                <ma14:wrappingTextBoxFlag xmlns="" xmlns:ma14="http://schemas.microsoft.com/office/mac/drawingml/2011/main" val="1"/>
               </a:ext>
             </a:extLst>
           </p:spPr>
@@ -11389,7 +11338,7 @@
             </a:ln>
             <a:extLst>
               <a:ext uri="{C572A759-6A51-4108-AA02-DFA0A04FC94B}">
-                <ma14:wrappingTextBoxFlag xmlns:ma14="http://schemas.microsoft.com/office/mac/drawingml/2011/main" xmlns="" val="1"/>
+                <ma14:wrappingTextBoxFlag xmlns="" xmlns:ma14="http://schemas.microsoft.com/office/mac/drawingml/2011/main" val="1"/>
               </a:ext>
             </a:extLst>
           </p:spPr>
@@ -11594,7 +11543,7 @@
             </a:ln>
             <a:extLst>
               <a:ext uri="{C572A759-6A51-4108-AA02-DFA0A04FC94B}">
-                <ma14:wrappingTextBoxFlag xmlns:ma14="http://schemas.microsoft.com/office/mac/drawingml/2011/main" xmlns="" val="1"/>
+                <ma14:wrappingTextBoxFlag xmlns="" xmlns:ma14="http://schemas.microsoft.com/office/mac/drawingml/2011/main" val="1"/>
               </a:ext>
             </a:extLst>
           </p:spPr>
@@ -11648,7 +11597,7 @@
             </a:ln>
             <a:extLst>
               <a:ext uri="{C572A759-6A51-4108-AA02-DFA0A04FC94B}">
-                <ma14:wrappingTextBoxFlag xmlns:ma14="http://schemas.microsoft.com/office/mac/drawingml/2011/main" xmlns="" val="1"/>
+                <ma14:wrappingTextBoxFlag xmlns="" xmlns:ma14="http://schemas.microsoft.com/office/mac/drawingml/2011/main" val="1"/>
               </a:ext>
             </a:extLst>
           </p:spPr>
@@ -11702,7 +11651,7 @@
             </a:ln>
             <a:extLst>
               <a:ext uri="{C572A759-6A51-4108-AA02-DFA0A04FC94B}">
-                <ma14:wrappingTextBoxFlag xmlns:ma14="http://schemas.microsoft.com/office/mac/drawingml/2011/main" xmlns="" val="1"/>
+                <ma14:wrappingTextBoxFlag xmlns="" xmlns:ma14="http://schemas.microsoft.com/office/mac/drawingml/2011/main" val="1"/>
               </a:ext>
             </a:extLst>
           </p:spPr>
@@ -11756,7 +11705,7 @@
             </a:ln>
             <a:extLst>
               <a:ext uri="{C572A759-6A51-4108-AA02-DFA0A04FC94B}">
-                <ma14:wrappingTextBoxFlag xmlns:ma14="http://schemas.microsoft.com/office/mac/drawingml/2011/main" xmlns="" val="1"/>
+                <ma14:wrappingTextBoxFlag xmlns="" xmlns:ma14="http://schemas.microsoft.com/office/mac/drawingml/2011/main" val="1"/>
               </a:ext>
             </a:extLst>
           </p:spPr>
@@ -11810,7 +11759,7 @@
             </a:ln>
             <a:extLst>
               <a:ext uri="{C572A759-6A51-4108-AA02-DFA0A04FC94B}">
-                <ma14:wrappingTextBoxFlag xmlns:ma14="http://schemas.microsoft.com/office/mac/drawingml/2011/main" xmlns="" val="1"/>
+                <ma14:wrappingTextBoxFlag xmlns="" xmlns:ma14="http://schemas.microsoft.com/office/mac/drawingml/2011/main" val="1"/>
               </a:ext>
             </a:extLst>
           </p:spPr>
@@ -11861,7 +11810,7 @@
             </a:ln>
             <a:extLst>
               <a:ext uri="{C572A759-6A51-4108-AA02-DFA0A04FC94B}">
-                <ma14:wrappingTextBoxFlag xmlns:ma14="http://schemas.microsoft.com/office/mac/drawingml/2011/main" xmlns="" val="1"/>
+                <ma14:wrappingTextBoxFlag xmlns="" xmlns:ma14="http://schemas.microsoft.com/office/mac/drawingml/2011/main" val="1"/>
               </a:ext>
             </a:extLst>
           </p:spPr>
@@ -11973,10 +11922,10 @@
       </p:sp>
       <p:sp>
         <p:nvSpPr>
-          <p:cNvPr id="48" name="Shape 127">
+          <p:cNvPr id="49" name="Shape 127">
             <a:extLst>
               <a:ext uri="{FF2B5EF4-FFF2-40B4-BE49-F238E27FC236}">
-                <a16:creationId xmlns:a16="http://schemas.microsoft.com/office/drawing/2014/main" id="{EE1988F8-F14B-6742-B3F2-8677DD913EDF}"/>
+                <a16:creationId xmlns:a16="http://schemas.microsoft.com/office/drawing/2014/main" id="{29305F6F-5D92-324F-8B16-2F1DB904F80B}"/>
               </a:ext>
             </a:extLst>
           </p:cNvPr>
@@ -11985,8 +11934,8 @@
         </p:nvSpPr>
         <p:spPr>
           <a:xfrm>
-            <a:off x="15684512" y="12505104"/>
-            <a:ext cx="8180122" cy="759822"/>
+            <a:off x="11371385" y="12658992"/>
+            <a:ext cx="12493249" cy="452046"/>
           </a:xfrm>
           <a:prstGeom prst="rect">
             <a:avLst/>
@@ -11996,12 +11945,12 @@
           </a:ln>
           <a:extLst>
             <a:ext uri="{C572A759-6A51-4108-AA02-DFA0A04FC94B}">
-              <ma14:wrappingTextBoxFlag xmlns:ma14="http://schemas.microsoft.com/office/mac/drawingml/2011/main" xmlns="" val="1"/>
+              <ma14:wrappingTextBoxFlag xmlns="" xmlns:ma14="http://schemas.microsoft.com/office/mac/drawingml/2011/main" val="1"/>
             </a:ext>
           </a:extLst>
         </p:spPr>
         <p:txBody>
-          <a:bodyPr wrap="none" lIns="71437" tIns="71437" rIns="71437" bIns="71437" anchor="ctr">
+          <a:bodyPr wrap="square" lIns="71437" tIns="71437" rIns="71437" bIns="71437" anchor="ctr">
             <a:spAutoFit/>
           </a:bodyPr>
           <a:lstStyle/>
@@ -12039,24 +11988,7 @@
             </a:r>
             <a:r>
               <a:rPr lang="en-AU" dirty="0"/>
-              <a:t>/photos/</a:t>
-            </a:r>
-          </a:p>
-          <a:p>
-            <a:pPr algn="r">
-              <a:defRPr sz="2000" b="0">
-                <a:solidFill>
-                  <a:srgbClr val="919191"/>
-                </a:solidFill>
-                <a:latin typeface="Montserrat Medium"/>
-                <a:ea typeface="Montserrat Medium"/>
-                <a:cs typeface="Montserrat Medium"/>
-                <a:sym typeface="Montserrat Medium"/>
-              </a:defRPr>
-            </a:pPr>
-            <a:r>
-              <a:rPr lang="en-AU" dirty="0"/>
-              <a:t>u2VPMFRrhGU</a:t>
+              <a:t>/photos/u2VPMFRrhGU</a:t>
             </a:r>
           </a:p>
         </p:txBody>
@@ -12112,7 +12044,7 @@
           </a:ln>
           <a:extLst>
             <a:ext uri="{C572A759-6A51-4108-AA02-DFA0A04FC94B}">
-              <ma14:wrappingTextBoxFlag xmlns:ma14="http://schemas.microsoft.com/office/mac/drawingml/2011/main" xmlns="" val="1"/>
+              <ma14:wrappingTextBoxFlag xmlns="" xmlns:ma14="http://schemas.microsoft.com/office/mac/drawingml/2011/main" val="1"/>
             </a:ext>
           </a:extLst>
         </p:spPr>
@@ -12174,7 +12106,7 @@
           </a:ln>
           <a:extLst>
             <a:ext uri="{C572A759-6A51-4108-AA02-DFA0A04FC94B}">
-              <ma14:wrappingTextBoxFlag xmlns:ma14="http://schemas.microsoft.com/office/mac/drawingml/2011/main" xmlns="" val="1"/>
+              <ma14:wrappingTextBoxFlag xmlns="" xmlns:ma14="http://schemas.microsoft.com/office/mac/drawingml/2011/main" val="1"/>
             </a:ext>
           </a:extLst>
         </p:spPr>
@@ -12236,7 +12168,7 @@
           </a:ln>
           <a:extLst>
             <a:ext uri="{C572A759-6A51-4108-AA02-DFA0A04FC94B}">
-              <ma14:wrappingTextBoxFlag xmlns:ma14="http://schemas.microsoft.com/office/mac/drawingml/2011/main" xmlns="" val="1"/>
+              <ma14:wrappingTextBoxFlag xmlns="" xmlns:ma14="http://schemas.microsoft.com/office/mac/drawingml/2011/main" val="1"/>
             </a:ext>
           </a:extLst>
         </p:spPr>
@@ -12297,7 +12229,7 @@
           </a:ln>
           <a:extLst>
             <a:ext uri="{C572A759-6A51-4108-AA02-DFA0A04FC94B}">
-              <ma14:wrappingTextBoxFlag xmlns:ma14="http://schemas.microsoft.com/office/mac/drawingml/2011/main" xmlns="" val="1"/>
+              <ma14:wrappingTextBoxFlag xmlns="" xmlns:ma14="http://schemas.microsoft.com/office/mac/drawingml/2011/main" val="1"/>
             </a:ext>
           </a:extLst>
         </p:spPr>
@@ -12355,7 +12287,7 @@
           </a:ln>
           <a:extLst>
             <a:ext uri="{C572A759-6A51-4108-AA02-DFA0A04FC94B}">
-              <ma14:wrappingTextBoxFlag xmlns:ma14="http://schemas.microsoft.com/office/mac/drawingml/2011/main" xmlns="" val="1"/>
+              <ma14:wrappingTextBoxFlag xmlns="" xmlns:ma14="http://schemas.microsoft.com/office/mac/drawingml/2011/main" val="1"/>
             </a:ext>
           </a:extLst>
         </p:spPr>
@@ -12417,7 +12349,7 @@
           </a:ln>
           <a:extLst>
             <a:ext uri="{C572A759-6A51-4108-AA02-DFA0A04FC94B}">
-              <ma14:wrappingTextBoxFlag xmlns:ma14="http://schemas.microsoft.com/office/mac/drawingml/2011/main" xmlns="" val="1"/>
+              <ma14:wrappingTextBoxFlag xmlns="" xmlns:ma14="http://schemas.microsoft.com/office/mac/drawingml/2011/main" val="1"/>
             </a:ext>
           </a:extLst>
         </p:spPr>
@@ -12479,7 +12411,7 @@
           </a:ln>
           <a:extLst>
             <a:ext uri="{C572A759-6A51-4108-AA02-DFA0A04FC94B}">
-              <ma14:wrappingTextBoxFlag xmlns:ma14="http://schemas.microsoft.com/office/mac/drawingml/2011/main" xmlns="" val="1"/>
+              <ma14:wrappingTextBoxFlag xmlns="" xmlns:ma14="http://schemas.microsoft.com/office/mac/drawingml/2011/main" val="1"/>
             </a:ext>
           </a:extLst>
         </p:spPr>
@@ -12604,7 +12536,7 @@
           </a:ln>
           <a:extLst>
             <a:ext uri="{C572A759-6A51-4108-AA02-DFA0A04FC94B}">
-              <ma14:wrappingTextBoxFlag xmlns:ma14="http://schemas.microsoft.com/office/mac/drawingml/2011/main" xmlns="" val="1"/>
+              <ma14:wrappingTextBoxFlag xmlns="" xmlns:ma14="http://schemas.microsoft.com/office/mac/drawingml/2011/main" val="1"/>
             </a:ext>
           </a:extLst>
         </p:spPr>
@@ -12783,7 +12715,7 @@
             </a:ln>
             <a:extLst>
               <a:ext uri="{C572A759-6A51-4108-AA02-DFA0A04FC94B}">
-                <ma14:wrappingTextBoxFlag xmlns:ma14="http://schemas.microsoft.com/office/mac/drawingml/2011/main" xmlns="" val="1"/>
+                <ma14:wrappingTextBoxFlag xmlns="" xmlns:ma14="http://schemas.microsoft.com/office/mac/drawingml/2011/main" val="1"/>
               </a:ext>
             </a:extLst>
           </p:spPr>
@@ -12831,7 +12763,7 @@
             </a:ln>
             <a:extLst>
               <a:ext uri="{C572A759-6A51-4108-AA02-DFA0A04FC94B}">
-                <ma14:wrappingTextBoxFlag xmlns:ma14="http://schemas.microsoft.com/office/mac/drawingml/2011/main" xmlns="" val="1"/>
+                <ma14:wrappingTextBoxFlag xmlns="" xmlns:ma14="http://schemas.microsoft.com/office/mac/drawingml/2011/main" val="1"/>
               </a:ext>
             </a:extLst>
           </p:spPr>
@@ -12879,7 +12811,7 @@
             </a:ln>
             <a:extLst>
               <a:ext uri="{C572A759-6A51-4108-AA02-DFA0A04FC94B}">
-                <ma14:wrappingTextBoxFlag xmlns:ma14="http://schemas.microsoft.com/office/mac/drawingml/2011/main" xmlns="" val="1"/>
+                <ma14:wrappingTextBoxFlag xmlns="" xmlns:ma14="http://schemas.microsoft.com/office/mac/drawingml/2011/main" val="1"/>
               </a:ext>
             </a:extLst>
           </p:spPr>
@@ -12927,7 +12859,7 @@
             </a:ln>
             <a:extLst>
               <a:ext uri="{C572A759-6A51-4108-AA02-DFA0A04FC94B}">
-                <ma14:wrappingTextBoxFlag xmlns:ma14="http://schemas.microsoft.com/office/mac/drawingml/2011/main" xmlns="" val="1"/>
+                <ma14:wrappingTextBoxFlag xmlns="" xmlns:ma14="http://schemas.microsoft.com/office/mac/drawingml/2011/main" val="1"/>
               </a:ext>
             </a:extLst>
           </p:spPr>
@@ -12975,7 +12907,7 @@
             </a:ln>
             <a:extLst>
               <a:ext uri="{C572A759-6A51-4108-AA02-DFA0A04FC94B}">
-                <ma14:wrappingTextBoxFlag xmlns:ma14="http://schemas.microsoft.com/office/mac/drawingml/2011/main" xmlns="" val="1"/>
+                <ma14:wrappingTextBoxFlag xmlns="" xmlns:ma14="http://schemas.microsoft.com/office/mac/drawingml/2011/main" val="1"/>
               </a:ext>
             </a:extLst>
           </p:spPr>
@@ -13023,7 +12955,7 @@
             </a:ln>
             <a:extLst>
               <a:ext uri="{C572A759-6A51-4108-AA02-DFA0A04FC94B}">
-                <ma14:wrappingTextBoxFlag xmlns:ma14="http://schemas.microsoft.com/office/mac/drawingml/2011/main" xmlns="" val="1"/>
+                <ma14:wrappingTextBoxFlag xmlns="" xmlns:ma14="http://schemas.microsoft.com/office/mac/drawingml/2011/main" val="1"/>
               </a:ext>
             </a:extLst>
           </p:spPr>
@@ -13071,7 +13003,7 @@
             </a:ln>
             <a:extLst>
               <a:ext uri="{C572A759-6A51-4108-AA02-DFA0A04FC94B}">
-                <ma14:wrappingTextBoxFlag xmlns:ma14="http://schemas.microsoft.com/office/mac/drawingml/2011/main" xmlns="" val="1"/>
+                <ma14:wrappingTextBoxFlag xmlns="" xmlns:ma14="http://schemas.microsoft.com/office/mac/drawingml/2011/main" val="1"/>
               </a:ext>
             </a:extLst>
           </p:spPr>
@@ -13122,7 +13054,7 @@
             </a:ln>
             <a:extLst>
               <a:ext uri="{C572A759-6A51-4108-AA02-DFA0A04FC94B}">
-                <ma14:wrappingTextBoxFlag xmlns:ma14="http://schemas.microsoft.com/office/mac/drawingml/2011/main" xmlns="" val="1"/>
+                <ma14:wrappingTextBoxFlag xmlns="" xmlns:ma14="http://schemas.microsoft.com/office/mac/drawingml/2011/main" val="1"/>
               </a:ext>
             </a:extLst>
           </p:spPr>
@@ -13178,7 +13110,7 @@
             </a:ln>
             <a:extLst>
               <a:ext uri="{C572A759-6A51-4108-AA02-DFA0A04FC94B}">
-                <ma14:wrappingTextBoxFlag xmlns:ma14="http://schemas.microsoft.com/office/mac/drawingml/2011/main" xmlns="" val="1"/>
+                <ma14:wrappingTextBoxFlag xmlns="" xmlns:ma14="http://schemas.microsoft.com/office/mac/drawingml/2011/main" val="1"/>
               </a:ext>
             </a:extLst>
           </p:spPr>
@@ -13411,7 +13343,7 @@
             </a:ln>
             <a:extLst>
               <a:ext uri="{C572A759-6A51-4108-AA02-DFA0A04FC94B}">
-                <ma14:wrappingTextBoxFlag xmlns:ma14="http://schemas.microsoft.com/office/mac/drawingml/2011/main" xmlns="" val="1"/>
+                <ma14:wrappingTextBoxFlag xmlns="" xmlns:ma14="http://schemas.microsoft.com/office/mac/drawingml/2011/main" val="1"/>
               </a:ext>
             </a:extLst>
           </p:spPr>
@@ -13521,7 +13453,7 @@
             </a:ln>
             <a:extLst>
               <a:ext uri="{C572A759-6A51-4108-AA02-DFA0A04FC94B}">
-                <ma14:wrappingTextBoxFlag xmlns:ma14="http://schemas.microsoft.com/office/mac/drawingml/2011/main" xmlns="" val="1"/>
+                <ma14:wrappingTextBoxFlag xmlns="" xmlns:ma14="http://schemas.microsoft.com/office/mac/drawingml/2011/main" val="1"/>
               </a:ext>
             </a:extLst>
           </p:spPr>
@@ -13575,7 +13507,7 @@
             </a:ln>
             <a:extLst>
               <a:ext uri="{C572A759-6A51-4108-AA02-DFA0A04FC94B}">
-                <ma14:wrappingTextBoxFlag xmlns:ma14="http://schemas.microsoft.com/office/mac/drawingml/2011/main" xmlns="" val="1"/>
+                <ma14:wrappingTextBoxFlag xmlns="" xmlns:ma14="http://schemas.microsoft.com/office/mac/drawingml/2011/main" val="1"/>
               </a:ext>
             </a:extLst>
           </p:spPr>
@@ -13629,7 +13561,7 @@
             </a:ln>
             <a:extLst>
               <a:ext uri="{C572A759-6A51-4108-AA02-DFA0A04FC94B}">
-                <ma14:wrappingTextBoxFlag xmlns:ma14="http://schemas.microsoft.com/office/mac/drawingml/2011/main" xmlns="" val="1"/>
+                <ma14:wrappingTextBoxFlag xmlns="" xmlns:ma14="http://schemas.microsoft.com/office/mac/drawingml/2011/main" val="1"/>
               </a:ext>
             </a:extLst>
           </p:spPr>
@@ -13683,7 +13615,7 @@
             </a:ln>
             <a:extLst>
               <a:ext uri="{C572A759-6A51-4108-AA02-DFA0A04FC94B}">
-                <ma14:wrappingTextBoxFlag xmlns:ma14="http://schemas.microsoft.com/office/mac/drawingml/2011/main" xmlns="" val="1"/>
+                <ma14:wrappingTextBoxFlag xmlns="" xmlns:ma14="http://schemas.microsoft.com/office/mac/drawingml/2011/main" val="1"/>
               </a:ext>
             </a:extLst>
           </p:spPr>
@@ -13737,7 +13669,7 @@
             </a:ln>
             <a:extLst>
               <a:ext uri="{C572A759-6A51-4108-AA02-DFA0A04FC94B}">
-                <ma14:wrappingTextBoxFlag xmlns:ma14="http://schemas.microsoft.com/office/mac/drawingml/2011/main" xmlns="" val="1"/>
+                <ma14:wrappingTextBoxFlag xmlns="" xmlns:ma14="http://schemas.microsoft.com/office/mac/drawingml/2011/main" val="1"/>
               </a:ext>
             </a:extLst>
           </p:spPr>
@@ -13791,7 +13723,7 @@
             </a:ln>
             <a:extLst>
               <a:ext uri="{C572A759-6A51-4108-AA02-DFA0A04FC94B}">
-                <ma14:wrappingTextBoxFlag xmlns:ma14="http://schemas.microsoft.com/office/mac/drawingml/2011/main" xmlns="" val="1"/>
+                <ma14:wrappingTextBoxFlag xmlns="" xmlns:ma14="http://schemas.microsoft.com/office/mac/drawingml/2011/main" val="1"/>
               </a:ext>
             </a:extLst>
           </p:spPr>
@@ -13845,7 +13777,7 @@
             </a:ln>
             <a:extLst>
               <a:ext uri="{C572A759-6A51-4108-AA02-DFA0A04FC94B}">
-                <ma14:wrappingTextBoxFlag xmlns:ma14="http://schemas.microsoft.com/office/mac/drawingml/2011/main" xmlns="" val="1"/>
+                <ma14:wrappingTextBoxFlag xmlns="" xmlns:ma14="http://schemas.microsoft.com/office/mac/drawingml/2011/main" val="1"/>
               </a:ext>
             </a:extLst>
           </p:spPr>
@@ -14147,7 +14079,7 @@
             </a:ln>
             <a:extLst>
               <a:ext uri="{C572A759-6A51-4108-AA02-DFA0A04FC94B}">
-                <ma14:wrappingTextBoxFlag xmlns:ma14="http://schemas.microsoft.com/office/mac/drawingml/2011/main" xmlns="" val="1"/>
+                <ma14:wrappingTextBoxFlag xmlns="" xmlns:ma14="http://schemas.microsoft.com/office/mac/drawingml/2011/main" val="1"/>
               </a:ext>
             </a:extLst>
           </p:spPr>
@@ -14338,7 +14270,7 @@
             </a:ln>
             <a:extLst>
               <a:ext uri="{C572A759-6A51-4108-AA02-DFA0A04FC94B}">
-                <ma14:wrappingTextBoxFlag xmlns:ma14="http://schemas.microsoft.com/office/mac/drawingml/2011/main" xmlns="" val="1"/>
+                <ma14:wrappingTextBoxFlag xmlns="" xmlns:ma14="http://schemas.microsoft.com/office/mac/drawingml/2011/main" val="1"/>
               </a:ext>
             </a:extLst>
           </p:spPr>
@@ -14395,7 +14327,7 @@
             </a:ln>
             <a:extLst>
               <a:ext uri="{C572A759-6A51-4108-AA02-DFA0A04FC94B}">
-                <ma14:wrappingTextBoxFlag xmlns:ma14="http://schemas.microsoft.com/office/mac/drawingml/2011/main" xmlns="" val="1"/>
+                <ma14:wrappingTextBoxFlag xmlns="" xmlns:ma14="http://schemas.microsoft.com/office/mac/drawingml/2011/main" val="1"/>
               </a:ext>
             </a:extLst>
           </p:spPr>
@@ -14569,7 +14501,7 @@
             </a:ln>
             <a:extLst>
               <a:ext uri="{C572A759-6A51-4108-AA02-DFA0A04FC94B}">
-                <ma14:wrappingTextBoxFlag xmlns:ma14="http://schemas.microsoft.com/office/mac/drawingml/2011/main" xmlns="" val="1"/>
+                <ma14:wrappingTextBoxFlag xmlns="" xmlns:ma14="http://schemas.microsoft.com/office/mac/drawingml/2011/main" val="1"/>
               </a:ext>
             </a:extLst>
           </p:spPr>
@@ -14774,7 +14706,7 @@
             </a:ln>
             <a:extLst>
               <a:ext uri="{C572A759-6A51-4108-AA02-DFA0A04FC94B}">
-                <ma14:wrappingTextBoxFlag xmlns:ma14="http://schemas.microsoft.com/office/mac/drawingml/2011/main" xmlns="" val="1"/>
+                <ma14:wrappingTextBoxFlag xmlns="" xmlns:ma14="http://schemas.microsoft.com/office/mac/drawingml/2011/main" val="1"/>
               </a:ext>
             </a:extLst>
           </p:spPr>
@@ -14828,7 +14760,7 @@
             </a:ln>
             <a:extLst>
               <a:ext uri="{C572A759-6A51-4108-AA02-DFA0A04FC94B}">
-                <ma14:wrappingTextBoxFlag xmlns:ma14="http://schemas.microsoft.com/office/mac/drawingml/2011/main" xmlns="" val="1"/>
+                <ma14:wrappingTextBoxFlag xmlns="" xmlns:ma14="http://schemas.microsoft.com/office/mac/drawingml/2011/main" val="1"/>
               </a:ext>
             </a:extLst>
           </p:spPr>
@@ -14882,7 +14814,7 @@
             </a:ln>
             <a:extLst>
               <a:ext uri="{C572A759-6A51-4108-AA02-DFA0A04FC94B}">
-                <ma14:wrappingTextBoxFlag xmlns:ma14="http://schemas.microsoft.com/office/mac/drawingml/2011/main" xmlns="" val="1"/>
+                <ma14:wrappingTextBoxFlag xmlns="" xmlns:ma14="http://schemas.microsoft.com/office/mac/drawingml/2011/main" val="1"/>
               </a:ext>
             </a:extLst>
           </p:spPr>
@@ -14936,7 +14868,7 @@
             </a:ln>
             <a:extLst>
               <a:ext uri="{C572A759-6A51-4108-AA02-DFA0A04FC94B}">
-                <ma14:wrappingTextBoxFlag xmlns:ma14="http://schemas.microsoft.com/office/mac/drawingml/2011/main" xmlns="" val="1"/>
+                <ma14:wrappingTextBoxFlag xmlns="" xmlns:ma14="http://schemas.microsoft.com/office/mac/drawingml/2011/main" val="1"/>
               </a:ext>
             </a:extLst>
           </p:spPr>
@@ -14990,7 +14922,7 @@
             </a:ln>
             <a:extLst>
               <a:ext uri="{C572A759-6A51-4108-AA02-DFA0A04FC94B}">
-                <ma14:wrappingTextBoxFlag xmlns:ma14="http://schemas.microsoft.com/office/mac/drawingml/2011/main" xmlns="" val="1"/>
+                <ma14:wrappingTextBoxFlag xmlns="" xmlns:ma14="http://schemas.microsoft.com/office/mac/drawingml/2011/main" val="1"/>
               </a:ext>
             </a:extLst>
           </p:spPr>
@@ -15041,7 +14973,7 @@
             </a:ln>
             <a:extLst>
               <a:ext uri="{C572A759-6A51-4108-AA02-DFA0A04FC94B}">
-                <ma14:wrappingTextBoxFlag xmlns:ma14="http://schemas.microsoft.com/office/mac/drawingml/2011/main" xmlns="" val="1"/>
+                <ma14:wrappingTextBoxFlag xmlns="" xmlns:ma14="http://schemas.microsoft.com/office/mac/drawingml/2011/main" val="1"/>
               </a:ext>
             </a:extLst>
           </p:spPr>
@@ -15153,10 +15085,10 @@
       </p:sp>
       <p:sp>
         <p:nvSpPr>
-          <p:cNvPr id="73" name="Shape 127">
+          <p:cNvPr id="74" name="Shape 127">
             <a:extLst>
               <a:ext uri="{FF2B5EF4-FFF2-40B4-BE49-F238E27FC236}">
-                <a16:creationId xmlns:a16="http://schemas.microsoft.com/office/drawing/2014/main" id="{3BC788BF-D895-B043-9505-8EF39F40C3FC}"/>
+                <a16:creationId xmlns:a16="http://schemas.microsoft.com/office/drawing/2014/main" id="{62BAB2C8-121A-684D-B620-050F86C38D28}"/>
               </a:ext>
             </a:extLst>
           </p:cNvPr>
@@ -15165,8 +15097,8 @@
         </p:nvSpPr>
         <p:spPr>
           <a:xfrm>
-            <a:off x="15684512" y="12505104"/>
-            <a:ext cx="8180122" cy="759822"/>
+            <a:off x="11371385" y="12658992"/>
+            <a:ext cx="12493249" cy="452046"/>
           </a:xfrm>
           <a:prstGeom prst="rect">
             <a:avLst/>
@@ -15176,12 +15108,12 @@
           </a:ln>
           <a:extLst>
             <a:ext uri="{C572A759-6A51-4108-AA02-DFA0A04FC94B}">
-              <ma14:wrappingTextBoxFlag xmlns:ma14="http://schemas.microsoft.com/office/mac/drawingml/2011/main" xmlns="" val="1"/>
+              <ma14:wrappingTextBoxFlag xmlns="" xmlns:ma14="http://schemas.microsoft.com/office/mac/drawingml/2011/main" val="1"/>
             </a:ext>
           </a:extLst>
         </p:spPr>
         <p:txBody>
-          <a:bodyPr wrap="none" lIns="71437" tIns="71437" rIns="71437" bIns="71437" anchor="ctr">
+          <a:bodyPr wrap="square" lIns="71437" tIns="71437" rIns="71437" bIns="71437" anchor="ctr">
             <a:spAutoFit/>
           </a:bodyPr>
           <a:lstStyle/>
@@ -15219,24 +15151,7 @@
             </a:r>
             <a:r>
               <a:rPr lang="en-AU" dirty="0"/>
-              <a:t>/photos/</a:t>
-            </a:r>
-          </a:p>
-          <a:p>
-            <a:pPr algn="r">
-              <a:defRPr sz="2000" b="0">
-                <a:solidFill>
-                  <a:srgbClr val="919191"/>
-                </a:solidFill>
-                <a:latin typeface="Montserrat Medium"/>
-                <a:ea typeface="Montserrat Medium"/>
-                <a:cs typeface="Montserrat Medium"/>
-                <a:sym typeface="Montserrat Medium"/>
-              </a:defRPr>
-            </a:pPr>
-            <a:r>
-              <a:rPr lang="en-AU" dirty="0"/>
-              <a:t>u2VPMFRrhGU</a:t>
+              <a:t>/photos/u2VPMFRrhGU</a:t>
             </a:r>
           </a:p>
         </p:txBody>
@@ -15269,10 +15184,10 @@
       </p:grpSpPr>
       <p:sp>
         <p:nvSpPr>
-          <p:cNvPr id="71" name="Shape 127">
+          <p:cNvPr id="72" name="Shape 127">
             <a:extLst>
               <a:ext uri="{FF2B5EF4-FFF2-40B4-BE49-F238E27FC236}">
-                <a16:creationId xmlns:a16="http://schemas.microsoft.com/office/drawing/2014/main" id="{E067C3A8-83EE-7640-AA6C-420ADB8A154F}"/>
+                <a16:creationId xmlns:a16="http://schemas.microsoft.com/office/drawing/2014/main" id="{28E6E7AC-F425-9842-9568-8E940DD02477}"/>
               </a:ext>
             </a:extLst>
           </p:cNvPr>
@@ -15281,8 +15196,8 @@
         </p:nvSpPr>
         <p:spPr>
           <a:xfrm>
-            <a:off x="15684512" y="12505104"/>
-            <a:ext cx="8180122" cy="759822"/>
+            <a:off x="11371385" y="12658992"/>
+            <a:ext cx="12493249" cy="452046"/>
           </a:xfrm>
           <a:prstGeom prst="rect">
             <a:avLst/>
@@ -15292,12 +15207,12 @@
           </a:ln>
           <a:extLst>
             <a:ext uri="{C572A759-6A51-4108-AA02-DFA0A04FC94B}">
-              <ma14:wrappingTextBoxFlag xmlns:ma14="http://schemas.microsoft.com/office/mac/drawingml/2011/main" xmlns="" val="1"/>
+              <ma14:wrappingTextBoxFlag xmlns="" xmlns:ma14="http://schemas.microsoft.com/office/mac/drawingml/2011/main" val="1"/>
             </a:ext>
           </a:extLst>
         </p:spPr>
         <p:txBody>
-          <a:bodyPr wrap="none" lIns="71437" tIns="71437" rIns="71437" bIns="71437" anchor="ctr">
+          <a:bodyPr wrap="square" lIns="71437" tIns="71437" rIns="71437" bIns="71437" anchor="ctr">
             <a:spAutoFit/>
           </a:bodyPr>
           <a:lstStyle/>
@@ -15335,24 +15250,7 @@
             </a:r>
             <a:r>
               <a:rPr lang="en-AU" dirty="0"/>
-              <a:t>/photos/</a:t>
-            </a:r>
-          </a:p>
-          <a:p>
-            <a:pPr algn="r">
-              <a:defRPr sz="2000" b="0">
-                <a:solidFill>
-                  <a:srgbClr val="919191"/>
-                </a:solidFill>
-                <a:latin typeface="Montserrat Medium"/>
-                <a:ea typeface="Montserrat Medium"/>
-                <a:cs typeface="Montserrat Medium"/>
-                <a:sym typeface="Montserrat Medium"/>
-              </a:defRPr>
-            </a:pPr>
-            <a:r>
-              <a:rPr lang="en-AU" dirty="0"/>
-              <a:t>u2VPMFRrhGU</a:t>
+              <a:t>/photos/u2VPMFRrhGU</a:t>
             </a:r>
           </a:p>
         </p:txBody>
@@ -15382,7 +15280,7 @@
           </a:ln>
           <a:extLst>
             <a:ext uri="{C572A759-6A51-4108-AA02-DFA0A04FC94B}">
-              <ma14:wrappingTextBoxFlag xmlns:ma14="http://schemas.microsoft.com/office/mac/drawingml/2011/main" xmlns="" val="1"/>
+              <ma14:wrappingTextBoxFlag xmlns="" xmlns:ma14="http://schemas.microsoft.com/office/mac/drawingml/2011/main" val="1"/>
             </a:ext>
           </a:extLst>
         </p:spPr>
@@ -15444,7 +15342,7 @@
           </a:ln>
           <a:extLst>
             <a:ext uri="{C572A759-6A51-4108-AA02-DFA0A04FC94B}">
-              <ma14:wrappingTextBoxFlag xmlns:ma14="http://schemas.microsoft.com/office/mac/drawingml/2011/main" xmlns="" val="1"/>
+              <ma14:wrappingTextBoxFlag xmlns="" xmlns:ma14="http://schemas.microsoft.com/office/mac/drawingml/2011/main" val="1"/>
             </a:ext>
           </a:extLst>
         </p:spPr>
@@ -15506,7 +15404,7 @@
           </a:ln>
           <a:extLst>
             <a:ext uri="{C572A759-6A51-4108-AA02-DFA0A04FC94B}">
-              <ma14:wrappingTextBoxFlag xmlns:ma14="http://schemas.microsoft.com/office/mac/drawingml/2011/main" xmlns="" val="1"/>
+              <ma14:wrappingTextBoxFlag xmlns="" xmlns:ma14="http://schemas.microsoft.com/office/mac/drawingml/2011/main" val="1"/>
             </a:ext>
           </a:extLst>
         </p:spPr>
@@ -15567,7 +15465,7 @@
           </a:ln>
           <a:extLst>
             <a:ext uri="{C572A759-6A51-4108-AA02-DFA0A04FC94B}">
-              <ma14:wrappingTextBoxFlag xmlns:ma14="http://schemas.microsoft.com/office/mac/drawingml/2011/main" xmlns="" val="1"/>
+              <ma14:wrappingTextBoxFlag xmlns="" xmlns:ma14="http://schemas.microsoft.com/office/mac/drawingml/2011/main" val="1"/>
             </a:ext>
           </a:extLst>
         </p:spPr>
@@ -15625,7 +15523,7 @@
           </a:ln>
           <a:extLst>
             <a:ext uri="{C572A759-6A51-4108-AA02-DFA0A04FC94B}">
-              <ma14:wrappingTextBoxFlag xmlns:ma14="http://schemas.microsoft.com/office/mac/drawingml/2011/main" xmlns="" val="1"/>
+              <ma14:wrappingTextBoxFlag xmlns="" xmlns:ma14="http://schemas.microsoft.com/office/mac/drawingml/2011/main" val="1"/>
             </a:ext>
           </a:extLst>
         </p:spPr>
@@ -15687,7 +15585,7 @@
           </a:ln>
           <a:extLst>
             <a:ext uri="{C572A759-6A51-4108-AA02-DFA0A04FC94B}">
-              <ma14:wrappingTextBoxFlag xmlns:ma14="http://schemas.microsoft.com/office/mac/drawingml/2011/main" xmlns="" val="1"/>
+              <ma14:wrappingTextBoxFlag xmlns="" xmlns:ma14="http://schemas.microsoft.com/office/mac/drawingml/2011/main" val="1"/>
             </a:ext>
           </a:extLst>
         </p:spPr>
@@ -15749,7 +15647,7 @@
           </a:ln>
           <a:extLst>
             <a:ext uri="{C572A759-6A51-4108-AA02-DFA0A04FC94B}">
-              <ma14:wrappingTextBoxFlag xmlns:ma14="http://schemas.microsoft.com/office/mac/drawingml/2011/main" xmlns="" val="1"/>
+              <ma14:wrappingTextBoxFlag xmlns="" xmlns:ma14="http://schemas.microsoft.com/office/mac/drawingml/2011/main" val="1"/>
             </a:ext>
           </a:extLst>
         </p:spPr>
@@ -15874,7 +15772,7 @@
           </a:ln>
           <a:extLst>
             <a:ext uri="{C572A759-6A51-4108-AA02-DFA0A04FC94B}">
-              <ma14:wrappingTextBoxFlag xmlns:ma14="http://schemas.microsoft.com/office/mac/drawingml/2011/main" xmlns="" val="1"/>
+              <ma14:wrappingTextBoxFlag xmlns="" xmlns:ma14="http://schemas.microsoft.com/office/mac/drawingml/2011/main" val="1"/>
             </a:ext>
           </a:extLst>
         </p:spPr>
@@ -16053,7 +15951,7 @@
             </a:ln>
             <a:extLst>
               <a:ext uri="{C572A759-6A51-4108-AA02-DFA0A04FC94B}">
-                <ma14:wrappingTextBoxFlag xmlns:ma14="http://schemas.microsoft.com/office/mac/drawingml/2011/main" xmlns="" val="1"/>
+                <ma14:wrappingTextBoxFlag xmlns="" xmlns:ma14="http://schemas.microsoft.com/office/mac/drawingml/2011/main" val="1"/>
               </a:ext>
             </a:extLst>
           </p:spPr>
@@ -16101,7 +15999,7 @@
             </a:ln>
             <a:extLst>
               <a:ext uri="{C572A759-6A51-4108-AA02-DFA0A04FC94B}">
-                <ma14:wrappingTextBoxFlag xmlns:ma14="http://schemas.microsoft.com/office/mac/drawingml/2011/main" xmlns="" val="1"/>
+                <ma14:wrappingTextBoxFlag xmlns="" xmlns:ma14="http://schemas.microsoft.com/office/mac/drawingml/2011/main" val="1"/>
               </a:ext>
             </a:extLst>
           </p:spPr>
@@ -16149,7 +16047,7 @@
             </a:ln>
             <a:extLst>
               <a:ext uri="{C572A759-6A51-4108-AA02-DFA0A04FC94B}">
-                <ma14:wrappingTextBoxFlag xmlns:ma14="http://schemas.microsoft.com/office/mac/drawingml/2011/main" xmlns="" val="1"/>
+                <ma14:wrappingTextBoxFlag xmlns="" xmlns:ma14="http://schemas.microsoft.com/office/mac/drawingml/2011/main" val="1"/>
               </a:ext>
             </a:extLst>
           </p:spPr>
@@ -16197,7 +16095,7 @@
             </a:ln>
             <a:extLst>
               <a:ext uri="{C572A759-6A51-4108-AA02-DFA0A04FC94B}">
-                <ma14:wrappingTextBoxFlag xmlns:ma14="http://schemas.microsoft.com/office/mac/drawingml/2011/main" xmlns="" val="1"/>
+                <ma14:wrappingTextBoxFlag xmlns="" xmlns:ma14="http://schemas.microsoft.com/office/mac/drawingml/2011/main" val="1"/>
               </a:ext>
             </a:extLst>
           </p:spPr>
@@ -16245,7 +16143,7 @@
             </a:ln>
             <a:extLst>
               <a:ext uri="{C572A759-6A51-4108-AA02-DFA0A04FC94B}">
-                <ma14:wrappingTextBoxFlag xmlns:ma14="http://schemas.microsoft.com/office/mac/drawingml/2011/main" xmlns="" val="1"/>
+                <ma14:wrappingTextBoxFlag xmlns="" xmlns:ma14="http://schemas.microsoft.com/office/mac/drawingml/2011/main" val="1"/>
               </a:ext>
             </a:extLst>
           </p:spPr>
@@ -16293,7 +16191,7 @@
             </a:ln>
             <a:extLst>
               <a:ext uri="{C572A759-6A51-4108-AA02-DFA0A04FC94B}">
-                <ma14:wrappingTextBoxFlag xmlns:ma14="http://schemas.microsoft.com/office/mac/drawingml/2011/main" xmlns="" val="1"/>
+                <ma14:wrappingTextBoxFlag xmlns="" xmlns:ma14="http://schemas.microsoft.com/office/mac/drawingml/2011/main" val="1"/>
               </a:ext>
             </a:extLst>
           </p:spPr>
@@ -16341,7 +16239,7 @@
             </a:ln>
             <a:extLst>
               <a:ext uri="{C572A759-6A51-4108-AA02-DFA0A04FC94B}">
-                <ma14:wrappingTextBoxFlag xmlns:ma14="http://schemas.microsoft.com/office/mac/drawingml/2011/main" xmlns="" val="1"/>
+                <ma14:wrappingTextBoxFlag xmlns="" xmlns:ma14="http://schemas.microsoft.com/office/mac/drawingml/2011/main" val="1"/>
               </a:ext>
             </a:extLst>
           </p:spPr>
@@ -16392,7 +16290,7 @@
             </a:ln>
             <a:extLst>
               <a:ext uri="{C572A759-6A51-4108-AA02-DFA0A04FC94B}">
-                <ma14:wrappingTextBoxFlag xmlns:ma14="http://schemas.microsoft.com/office/mac/drawingml/2011/main" xmlns="" val="1"/>
+                <ma14:wrappingTextBoxFlag xmlns="" xmlns:ma14="http://schemas.microsoft.com/office/mac/drawingml/2011/main" val="1"/>
               </a:ext>
             </a:extLst>
           </p:spPr>
@@ -16546,7 +16444,7 @@
             </a:ln>
             <a:extLst>
               <a:ext uri="{C572A759-6A51-4108-AA02-DFA0A04FC94B}">
-                <ma14:wrappingTextBoxFlag xmlns:ma14="http://schemas.microsoft.com/office/mac/drawingml/2011/main" xmlns="" val="1"/>
+                <ma14:wrappingTextBoxFlag xmlns="" xmlns:ma14="http://schemas.microsoft.com/office/mac/drawingml/2011/main" val="1"/>
               </a:ext>
             </a:extLst>
           </p:spPr>
@@ -16656,7 +16554,7 @@
             </a:ln>
             <a:extLst>
               <a:ext uri="{C572A759-6A51-4108-AA02-DFA0A04FC94B}">
-                <ma14:wrappingTextBoxFlag xmlns:ma14="http://schemas.microsoft.com/office/mac/drawingml/2011/main" xmlns="" val="1"/>
+                <ma14:wrappingTextBoxFlag xmlns="" xmlns:ma14="http://schemas.microsoft.com/office/mac/drawingml/2011/main" val="1"/>
               </a:ext>
             </a:extLst>
           </p:spPr>
@@ -16710,7 +16608,7 @@
             </a:ln>
             <a:extLst>
               <a:ext uri="{C572A759-6A51-4108-AA02-DFA0A04FC94B}">
-                <ma14:wrappingTextBoxFlag xmlns:ma14="http://schemas.microsoft.com/office/mac/drawingml/2011/main" xmlns="" val="1"/>
+                <ma14:wrappingTextBoxFlag xmlns="" xmlns:ma14="http://schemas.microsoft.com/office/mac/drawingml/2011/main" val="1"/>
               </a:ext>
             </a:extLst>
           </p:spPr>
@@ -16764,7 +16662,7 @@
             </a:ln>
             <a:extLst>
               <a:ext uri="{C572A759-6A51-4108-AA02-DFA0A04FC94B}">
-                <ma14:wrappingTextBoxFlag xmlns:ma14="http://schemas.microsoft.com/office/mac/drawingml/2011/main" xmlns="" val="1"/>
+                <ma14:wrappingTextBoxFlag xmlns="" xmlns:ma14="http://schemas.microsoft.com/office/mac/drawingml/2011/main" val="1"/>
               </a:ext>
             </a:extLst>
           </p:spPr>
@@ -16818,7 +16716,7 @@
             </a:ln>
             <a:extLst>
               <a:ext uri="{C572A759-6A51-4108-AA02-DFA0A04FC94B}">
-                <ma14:wrappingTextBoxFlag xmlns:ma14="http://schemas.microsoft.com/office/mac/drawingml/2011/main" xmlns="" val="1"/>
+                <ma14:wrappingTextBoxFlag xmlns="" xmlns:ma14="http://schemas.microsoft.com/office/mac/drawingml/2011/main" val="1"/>
               </a:ext>
             </a:extLst>
           </p:spPr>
@@ -16872,7 +16770,7 @@
             </a:ln>
             <a:extLst>
               <a:ext uri="{C572A759-6A51-4108-AA02-DFA0A04FC94B}">
-                <ma14:wrappingTextBoxFlag xmlns:ma14="http://schemas.microsoft.com/office/mac/drawingml/2011/main" xmlns="" val="1"/>
+                <ma14:wrappingTextBoxFlag xmlns="" xmlns:ma14="http://schemas.microsoft.com/office/mac/drawingml/2011/main" val="1"/>
               </a:ext>
             </a:extLst>
           </p:spPr>
@@ -16926,7 +16824,7 @@
             </a:ln>
             <a:extLst>
               <a:ext uri="{C572A759-6A51-4108-AA02-DFA0A04FC94B}">
-                <ma14:wrappingTextBoxFlag xmlns:ma14="http://schemas.microsoft.com/office/mac/drawingml/2011/main" xmlns="" val="1"/>
+                <ma14:wrappingTextBoxFlag xmlns="" xmlns:ma14="http://schemas.microsoft.com/office/mac/drawingml/2011/main" val="1"/>
               </a:ext>
             </a:extLst>
           </p:spPr>
@@ -16980,7 +16878,7 @@
             </a:ln>
             <a:extLst>
               <a:ext uri="{C572A759-6A51-4108-AA02-DFA0A04FC94B}">
-                <ma14:wrappingTextBoxFlag xmlns:ma14="http://schemas.microsoft.com/office/mac/drawingml/2011/main" xmlns="" val="1"/>
+                <ma14:wrappingTextBoxFlag xmlns="" xmlns:ma14="http://schemas.microsoft.com/office/mac/drawingml/2011/main" val="1"/>
               </a:ext>
             </a:extLst>
           </p:spPr>
@@ -17282,7 +17180,7 @@
             </a:ln>
             <a:extLst>
               <a:ext uri="{C572A759-6A51-4108-AA02-DFA0A04FC94B}">
-                <ma14:wrappingTextBoxFlag xmlns:ma14="http://schemas.microsoft.com/office/mac/drawingml/2011/main" xmlns="" val="1"/>
+                <ma14:wrappingTextBoxFlag xmlns="" xmlns:ma14="http://schemas.microsoft.com/office/mac/drawingml/2011/main" val="1"/>
               </a:ext>
             </a:extLst>
           </p:spPr>
@@ -17473,7 +17371,7 @@
             </a:ln>
             <a:extLst>
               <a:ext uri="{C572A759-6A51-4108-AA02-DFA0A04FC94B}">
-                <ma14:wrappingTextBoxFlag xmlns:ma14="http://schemas.microsoft.com/office/mac/drawingml/2011/main" xmlns="" val="1"/>
+                <ma14:wrappingTextBoxFlag xmlns="" xmlns:ma14="http://schemas.microsoft.com/office/mac/drawingml/2011/main" val="1"/>
               </a:ext>
             </a:extLst>
           </p:spPr>
@@ -17530,7 +17428,7 @@
             </a:ln>
             <a:extLst>
               <a:ext uri="{C572A759-6A51-4108-AA02-DFA0A04FC94B}">
-                <ma14:wrappingTextBoxFlag xmlns:ma14="http://schemas.microsoft.com/office/mac/drawingml/2011/main" xmlns="" val="1"/>
+                <ma14:wrappingTextBoxFlag xmlns="" xmlns:ma14="http://schemas.microsoft.com/office/mac/drawingml/2011/main" val="1"/>
               </a:ext>
             </a:extLst>
           </p:spPr>
@@ -17704,7 +17602,7 @@
             </a:ln>
             <a:extLst>
               <a:ext uri="{C572A759-6A51-4108-AA02-DFA0A04FC94B}">
-                <ma14:wrappingTextBoxFlag xmlns:ma14="http://schemas.microsoft.com/office/mac/drawingml/2011/main" xmlns="" val="1"/>
+                <ma14:wrappingTextBoxFlag xmlns="" xmlns:ma14="http://schemas.microsoft.com/office/mac/drawingml/2011/main" val="1"/>
               </a:ext>
             </a:extLst>
           </p:spPr>
@@ -17909,7 +17807,7 @@
             </a:ln>
             <a:extLst>
               <a:ext uri="{C572A759-6A51-4108-AA02-DFA0A04FC94B}">
-                <ma14:wrappingTextBoxFlag xmlns:ma14="http://schemas.microsoft.com/office/mac/drawingml/2011/main" xmlns="" val="1"/>
+                <ma14:wrappingTextBoxFlag xmlns="" xmlns:ma14="http://schemas.microsoft.com/office/mac/drawingml/2011/main" val="1"/>
               </a:ext>
             </a:extLst>
           </p:spPr>
@@ -17963,7 +17861,7 @@
             </a:ln>
             <a:extLst>
               <a:ext uri="{C572A759-6A51-4108-AA02-DFA0A04FC94B}">
-                <ma14:wrappingTextBoxFlag xmlns:ma14="http://schemas.microsoft.com/office/mac/drawingml/2011/main" xmlns="" val="1"/>
+                <ma14:wrappingTextBoxFlag xmlns="" xmlns:ma14="http://schemas.microsoft.com/office/mac/drawingml/2011/main" val="1"/>
               </a:ext>
             </a:extLst>
           </p:spPr>
@@ -18017,7 +17915,7 @@
             </a:ln>
             <a:extLst>
               <a:ext uri="{C572A759-6A51-4108-AA02-DFA0A04FC94B}">
-                <ma14:wrappingTextBoxFlag xmlns:ma14="http://schemas.microsoft.com/office/mac/drawingml/2011/main" xmlns="" val="1"/>
+                <ma14:wrappingTextBoxFlag xmlns="" xmlns:ma14="http://schemas.microsoft.com/office/mac/drawingml/2011/main" val="1"/>
               </a:ext>
             </a:extLst>
           </p:spPr>
@@ -18071,7 +17969,7 @@
             </a:ln>
             <a:extLst>
               <a:ext uri="{C572A759-6A51-4108-AA02-DFA0A04FC94B}">
-                <ma14:wrappingTextBoxFlag xmlns:ma14="http://schemas.microsoft.com/office/mac/drawingml/2011/main" xmlns="" val="1"/>
+                <ma14:wrappingTextBoxFlag xmlns="" xmlns:ma14="http://schemas.microsoft.com/office/mac/drawingml/2011/main" val="1"/>
               </a:ext>
             </a:extLst>
           </p:spPr>
@@ -18125,7 +18023,7 @@
             </a:ln>
             <a:extLst>
               <a:ext uri="{C572A759-6A51-4108-AA02-DFA0A04FC94B}">
-                <ma14:wrappingTextBoxFlag xmlns:ma14="http://schemas.microsoft.com/office/mac/drawingml/2011/main" xmlns="" val="1"/>
+                <ma14:wrappingTextBoxFlag xmlns="" xmlns:ma14="http://schemas.microsoft.com/office/mac/drawingml/2011/main" val="1"/>
               </a:ext>
             </a:extLst>
           </p:spPr>
@@ -18176,7 +18074,7 @@
             </a:ln>
             <a:extLst>
               <a:ext uri="{C572A759-6A51-4108-AA02-DFA0A04FC94B}">
-                <ma14:wrappingTextBoxFlag xmlns:ma14="http://schemas.microsoft.com/office/mac/drawingml/2011/main" xmlns="" val="1"/>
+                <ma14:wrappingTextBoxFlag xmlns="" xmlns:ma14="http://schemas.microsoft.com/office/mac/drawingml/2011/main" val="1"/>
               </a:ext>
             </a:extLst>
           </p:spPr>
@@ -18314,10 +18212,10 @@
       </p:grpSpPr>
       <p:sp>
         <p:nvSpPr>
-          <p:cNvPr id="72" name="Shape 127">
+          <p:cNvPr id="73" name="Shape 127">
             <a:extLst>
               <a:ext uri="{FF2B5EF4-FFF2-40B4-BE49-F238E27FC236}">
-                <a16:creationId xmlns:a16="http://schemas.microsoft.com/office/drawing/2014/main" id="{F876A858-1C8A-0744-923E-73C169783807}"/>
+                <a16:creationId xmlns:a16="http://schemas.microsoft.com/office/drawing/2014/main" id="{DE9B1175-53E1-7742-9EB9-F6F2914742F3}"/>
               </a:ext>
             </a:extLst>
           </p:cNvPr>
@@ -18326,8 +18224,8 @@
         </p:nvSpPr>
         <p:spPr>
           <a:xfrm>
-            <a:off x="15684512" y="12505104"/>
-            <a:ext cx="8180122" cy="759822"/>
+            <a:off x="11371385" y="12658992"/>
+            <a:ext cx="12493249" cy="452046"/>
           </a:xfrm>
           <a:prstGeom prst="rect">
             <a:avLst/>
@@ -18337,12 +18235,12 @@
           </a:ln>
           <a:extLst>
             <a:ext uri="{C572A759-6A51-4108-AA02-DFA0A04FC94B}">
-              <ma14:wrappingTextBoxFlag xmlns:ma14="http://schemas.microsoft.com/office/mac/drawingml/2011/main" xmlns="" val="1"/>
+              <ma14:wrappingTextBoxFlag xmlns="" xmlns:ma14="http://schemas.microsoft.com/office/mac/drawingml/2011/main" val="1"/>
             </a:ext>
           </a:extLst>
         </p:spPr>
         <p:txBody>
-          <a:bodyPr wrap="none" lIns="71437" tIns="71437" rIns="71437" bIns="71437" anchor="ctr">
+          <a:bodyPr wrap="square" lIns="71437" tIns="71437" rIns="71437" bIns="71437" anchor="ctr">
             <a:spAutoFit/>
           </a:bodyPr>
           <a:lstStyle/>
@@ -18380,24 +18278,7 @@
             </a:r>
             <a:r>
               <a:rPr lang="en-AU" dirty="0"/>
-              <a:t>/photos/</a:t>
-            </a:r>
-          </a:p>
-          <a:p>
-            <a:pPr algn="r">
-              <a:defRPr sz="2000" b="0">
-                <a:solidFill>
-                  <a:srgbClr val="919191"/>
-                </a:solidFill>
-                <a:latin typeface="Montserrat Medium"/>
-                <a:ea typeface="Montserrat Medium"/>
-                <a:cs typeface="Montserrat Medium"/>
-                <a:sym typeface="Montserrat Medium"/>
-              </a:defRPr>
-            </a:pPr>
-            <a:r>
-              <a:rPr lang="en-AU" dirty="0"/>
-              <a:t>u2VPMFRrhGU</a:t>
+              <a:t>/photos/u2VPMFRrhGU</a:t>
             </a:r>
           </a:p>
         </p:txBody>
@@ -18427,7 +18308,7 @@
           </a:ln>
           <a:extLst>
             <a:ext uri="{C572A759-6A51-4108-AA02-DFA0A04FC94B}">
-              <ma14:wrappingTextBoxFlag xmlns:ma14="http://schemas.microsoft.com/office/mac/drawingml/2011/main" xmlns="" val="1"/>
+              <ma14:wrappingTextBoxFlag xmlns="" xmlns:ma14="http://schemas.microsoft.com/office/mac/drawingml/2011/main" val="1"/>
             </a:ext>
           </a:extLst>
         </p:spPr>
@@ -18489,7 +18370,7 @@
           </a:ln>
           <a:extLst>
             <a:ext uri="{C572A759-6A51-4108-AA02-DFA0A04FC94B}">
-              <ma14:wrappingTextBoxFlag xmlns:ma14="http://schemas.microsoft.com/office/mac/drawingml/2011/main" xmlns="" val="1"/>
+              <ma14:wrappingTextBoxFlag xmlns="" xmlns:ma14="http://schemas.microsoft.com/office/mac/drawingml/2011/main" val="1"/>
             </a:ext>
           </a:extLst>
         </p:spPr>
@@ -18551,7 +18432,7 @@
           </a:ln>
           <a:extLst>
             <a:ext uri="{C572A759-6A51-4108-AA02-DFA0A04FC94B}">
-              <ma14:wrappingTextBoxFlag xmlns:ma14="http://schemas.microsoft.com/office/mac/drawingml/2011/main" xmlns="" val="1"/>
+              <ma14:wrappingTextBoxFlag xmlns="" xmlns:ma14="http://schemas.microsoft.com/office/mac/drawingml/2011/main" val="1"/>
             </a:ext>
           </a:extLst>
         </p:spPr>
@@ -18612,7 +18493,7 @@
           </a:ln>
           <a:extLst>
             <a:ext uri="{C572A759-6A51-4108-AA02-DFA0A04FC94B}">
-              <ma14:wrappingTextBoxFlag xmlns:ma14="http://schemas.microsoft.com/office/mac/drawingml/2011/main" xmlns="" val="1"/>
+              <ma14:wrappingTextBoxFlag xmlns="" xmlns:ma14="http://schemas.microsoft.com/office/mac/drawingml/2011/main" val="1"/>
             </a:ext>
           </a:extLst>
         </p:spPr>
@@ -18670,7 +18551,7 @@
           </a:ln>
           <a:extLst>
             <a:ext uri="{C572A759-6A51-4108-AA02-DFA0A04FC94B}">
-              <ma14:wrappingTextBoxFlag xmlns:ma14="http://schemas.microsoft.com/office/mac/drawingml/2011/main" xmlns="" val="1"/>
+              <ma14:wrappingTextBoxFlag xmlns="" xmlns:ma14="http://schemas.microsoft.com/office/mac/drawingml/2011/main" val="1"/>
             </a:ext>
           </a:extLst>
         </p:spPr>
@@ -18732,7 +18613,7 @@
           </a:ln>
           <a:extLst>
             <a:ext uri="{C572A759-6A51-4108-AA02-DFA0A04FC94B}">
-              <ma14:wrappingTextBoxFlag xmlns:ma14="http://schemas.microsoft.com/office/mac/drawingml/2011/main" xmlns="" val="1"/>
+              <ma14:wrappingTextBoxFlag xmlns="" xmlns:ma14="http://schemas.microsoft.com/office/mac/drawingml/2011/main" val="1"/>
             </a:ext>
           </a:extLst>
         </p:spPr>
@@ -18794,7 +18675,7 @@
           </a:ln>
           <a:extLst>
             <a:ext uri="{C572A759-6A51-4108-AA02-DFA0A04FC94B}">
-              <ma14:wrappingTextBoxFlag xmlns:ma14="http://schemas.microsoft.com/office/mac/drawingml/2011/main" xmlns="" val="1"/>
+              <ma14:wrappingTextBoxFlag xmlns="" xmlns:ma14="http://schemas.microsoft.com/office/mac/drawingml/2011/main" val="1"/>
             </a:ext>
           </a:extLst>
         </p:spPr>
@@ -18984,7 +18865,7 @@
             </a:ln>
             <a:extLst>
               <a:ext uri="{C572A759-6A51-4108-AA02-DFA0A04FC94B}">
-                <ma14:wrappingTextBoxFlag xmlns:ma14="http://schemas.microsoft.com/office/mac/drawingml/2011/main" xmlns="" val="1"/>
+                <ma14:wrappingTextBoxFlag xmlns="" xmlns:ma14="http://schemas.microsoft.com/office/mac/drawingml/2011/main" val="1"/>
               </a:ext>
             </a:extLst>
           </p:spPr>
@@ -19032,7 +18913,7 @@
             </a:ln>
             <a:extLst>
               <a:ext uri="{C572A759-6A51-4108-AA02-DFA0A04FC94B}">
-                <ma14:wrappingTextBoxFlag xmlns:ma14="http://schemas.microsoft.com/office/mac/drawingml/2011/main" xmlns="" val="1"/>
+                <ma14:wrappingTextBoxFlag xmlns="" xmlns:ma14="http://schemas.microsoft.com/office/mac/drawingml/2011/main" val="1"/>
               </a:ext>
             </a:extLst>
           </p:spPr>
@@ -19080,7 +18961,7 @@
             </a:ln>
             <a:extLst>
               <a:ext uri="{C572A759-6A51-4108-AA02-DFA0A04FC94B}">
-                <ma14:wrappingTextBoxFlag xmlns:ma14="http://schemas.microsoft.com/office/mac/drawingml/2011/main" xmlns="" val="1"/>
+                <ma14:wrappingTextBoxFlag xmlns="" xmlns:ma14="http://schemas.microsoft.com/office/mac/drawingml/2011/main" val="1"/>
               </a:ext>
             </a:extLst>
           </p:spPr>
@@ -19128,7 +19009,7 @@
             </a:ln>
             <a:extLst>
               <a:ext uri="{C572A759-6A51-4108-AA02-DFA0A04FC94B}">
-                <ma14:wrappingTextBoxFlag xmlns:ma14="http://schemas.microsoft.com/office/mac/drawingml/2011/main" xmlns="" val="1"/>
+                <ma14:wrappingTextBoxFlag xmlns="" xmlns:ma14="http://schemas.microsoft.com/office/mac/drawingml/2011/main" val="1"/>
               </a:ext>
             </a:extLst>
           </p:spPr>
@@ -19176,7 +19057,7 @@
             </a:ln>
             <a:extLst>
               <a:ext uri="{C572A759-6A51-4108-AA02-DFA0A04FC94B}">
-                <ma14:wrappingTextBoxFlag xmlns:ma14="http://schemas.microsoft.com/office/mac/drawingml/2011/main" xmlns="" val="1"/>
+                <ma14:wrappingTextBoxFlag xmlns="" xmlns:ma14="http://schemas.microsoft.com/office/mac/drawingml/2011/main" val="1"/>
               </a:ext>
             </a:extLst>
           </p:spPr>
@@ -19224,7 +19105,7 @@
             </a:ln>
             <a:extLst>
               <a:ext uri="{C572A759-6A51-4108-AA02-DFA0A04FC94B}">
-                <ma14:wrappingTextBoxFlag xmlns:ma14="http://schemas.microsoft.com/office/mac/drawingml/2011/main" xmlns="" val="1"/>
+                <ma14:wrappingTextBoxFlag xmlns="" xmlns:ma14="http://schemas.microsoft.com/office/mac/drawingml/2011/main" val="1"/>
               </a:ext>
             </a:extLst>
           </p:spPr>
@@ -19272,7 +19153,7 @@
             </a:ln>
             <a:extLst>
               <a:ext uri="{C572A759-6A51-4108-AA02-DFA0A04FC94B}">
-                <ma14:wrappingTextBoxFlag xmlns:ma14="http://schemas.microsoft.com/office/mac/drawingml/2011/main" xmlns="" val="1"/>
+                <ma14:wrappingTextBoxFlag xmlns="" xmlns:ma14="http://schemas.microsoft.com/office/mac/drawingml/2011/main" val="1"/>
               </a:ext>
             </a:extLst>
           </p:spPr>
@@ -19387,7 +19268,7 @@
           </a:ln>
           <a:extLst>
             <a:ext uri="{C572A759-6A51-4108-AA02-DFA0A04FC94B}">
-              <ma14:wrappingTextBoxFlag xmlns:ma14="http://schemas.microsoft.com/office/mac/drawingml/2011/main" xmlns="" val="1"/>
+              <ma14:wrappingTextBoxFlag xmlns="" xmlns:ma14="http://schemas.microsoft.com/office/mac/drawingml/2011/main" val="1"/>
             </a:ext>
           </a:extLst>
         </p:spPr>
@@ -19535,7 +19416,7 @@
             </a:ln>
             <a:extLst>
               <a:ext uri="{C572A759-6A51-4108-AA02-DFA0A04FC94B}">
-                <ma14:wrappingTextBoxFlag xmlns:ma14="http://schemas.microsoft.com/office/mac/drawingml/2011/main" xmlns="" val="1"/>
+                <ma14:wrappingTextBoxFlag xmlns="" xmlns:ma14="http://schemas.microsoft.com/office/mac/drawingml/2011/main" val="1"/>
               </a:ext>
             </a:extLst>
           </p:spPr>
@@ -19596,7 +19477,7 @@
             </a:ln>
             <a:extLst>
               <a:ext uri="{C572A759-6A51-4108-AA02-DFA0A04FC94B}">
-                <ma14:wrappingTextBoxFlag xmlns:ma14="http://schemas.microsoft.com/office/mac/drawingml/2011/main" xmlns="" val="1"/>
+                <ma14:wrappingTextBoxFlag xmlns="" xmlns:ma14="http://schemas.microsoft.com/office/mac/drawingml/2011/main" val="1"/>
               </a:ext>
             </a:extLst>
           </p:spPr>
@@ -19723,7 +19604,7 @@
             </a:ln>
             <a:extLst>
               <a:ext uri="{C572A759-6A51-4108-AA02-DFA0A04FC94B}">
-                <ma14:wrappingTextBoxFlag xmlns:ma14="http://schemas.microsoft.com/office/mac/drawingml/2011/main" xmlns="" val="1"/>
+                <ma14:wrappingTextBoxFlag xmlns="" xmlns:ma14="http://schemas.microsoft.com/office/mac/drawingml/2011/main" val="1"/>
               </a:ext>
             </a:extLst>
           </p:spPr>
@@ -19825,7 +19706,7 @@
             </a:ln>
             <a:extLst>
               <a:ext uri="{C572A759-6A51-4108-AA02-DFA0A04FC94B}">
-                <ma14:wrappingTextBoxFlag xmlns:ma14="http://schemas.microsoft.com/office/mac/drawingml/2011/main" xmlns="" val="1"/>
+                <ma14:wrappingTextBoxFlag xmlns="" xmlns:ma14="http://schemas.microsoft.com/office/mac/drawingml/2011/main" val="1"/>
               </a:ext>
             </a:extLst>
           </p:spPr>
@@ -19879,7 +19760,7 @@
             </a:ln>
             <a:extLst>
               <a:ext uri="{C572A759-6A51-4108-AA02-DFA0A04FC94B}">
-                <ma14:wrappingTextBoxFlag xmlns:ma14="http://schemas.microsoft.com/office/mac/drawingml/2011/main" xmlns="" val="1"/>
+                <ma14:wrappingTextBoxFlag xmlns="" xmlns:ma14="http://schemas.microsoft.com/office/mac/drawingml/2011/main" val="1"/>
               </a:ext>
             </a:extLst>
           </p:spPr>
@@ -19933,7 +19814,7 @@
             </a:ln>
             <a:extLst>
               <a:ext uri="{C572A759-6A51-4108-AA02-DFA0A04FC94B}">
-                <ma14:wrappingTextBoxFlag xmlns:ma14="http://schemas.microsoft.com/office/mac/drawingml/2011/main" xmlns="" val="1"/>
+                <ma14:wrappingTextBoxFlag xmlns="" xmlns:ma14="http://schemas.microsoft.com/office/mac/drawingml/2011/main" val="1"/>
               </a:ext>
             </a:extLst>
           </p:spPr>
@@ -19987,7 +19868,7 @@
             </a:ln>
             <a:extLst>
               <a:ext uri="{C572A759-6A51-4108-AA02-DFA0A04FC94B}">
-                <ma14:wrappingTextBoxFlag xmlns:ma14="http://schemas.microsoft.com/office/mac/drawingml/2011/main" xmlns="" val="1"/>
+                <ma14:wrappingTextBoxFlag xmlns="" xmlns:ma14="http://schemas.microsoft.com/office/mac/drawingml/2011/main" val="1"/>
               </a:ext>
             </a:extLst>
           </p:spPr>
@@ -20041,7 +19922,7 @@
             </a:ln>
             <a:extLst>
               <a:ext uri="{C572A759-6A51-4108-AA02-DFA0A04FC94B}">
-                <ma14:wrappingTextBoxFlag xmlns:ma14="http://schemas.microsoft.com/office/mac/drawingml/2011/main" xmlns="" val="1"/>
+                <ma14:wrappingTextBoxFlag xmlns="" xmlns:ma14="http://schemas.microsoft.com/office/mac/drawingml/2011/main" val="1"/>
               </a:ext>
             </a:extLst>
           </p:spPr>
@@ -20095,7 +19976,7 @@
             </a:ln>
             <a:extLst>
               <a:ext uri="{C572A759-6A51-4108-AA02-DFA0A04FC94B}">
-                <ma14:wrappingTextBoxFlag xmlns:ma14="http://schemas.microsoft.com/office/mac/drawingml/2011/main" xmlns="" val="1"/>
+                <ma14:wrappingTextBoxFlag xmlns="" xmlns:ma14="http://schemas.microsoft.com/office/mac/drawingml/2011/main" val="1"/>
               </a:ext>
             </a:extLst>
           </p:spPr>
@@ -20149,7 +20030,7 @@
             </a:ln>
             <a:extLst>
               <a:ext uri="{C572A759-6A51-4108-AA02-DFA0A04FC94B}">
-                <ma14:wrappingTextBoxFlag xmlns:ma14="http://schemas.microsoft.com/office/mac/drawingml/2011/main" xmlns="" val="1"/>
+                <ma14:wrappingTextBoxFlag xmlns="" xmlns:ma14="http://schemas.microsoft.com/office/mac/drawingml/2011/main" val="1"/>
               </a:ext>
             </a:extLst>
           </p:spPr>
@@ -20451,7 +20332,7 @@
             </a:ln>
             <a:extLst>
               <a:ext uri="{C572A759-6A51-4108-AA02-DFA0A04FC94B}">
-                <ma14:wrappingTextBoxFlag xmlns:ma14="http://schemas.microsoft.com/office/mac/drawingml/2011/main" xmlns="" val="1"/>
+                <ma14:wrappingTextBoxFlag xmlns="" xmlns:ma14="http://schemas.microsoft.com/office/mac/drawingml/2011/main" val="1"/>
               </a:ext>
             </a:extLst>
           </p:spPr>
@@ -20642,7 +20523,7 @@
             </a:ln>
             <a:extLst>
               <a:ext uri="{C572A759-6A51-4108-AA02-DFA0A04FC94B}">
-                <ma14:wrappingTextBoxFlag xmlns:ma14="http://schemas.microsoft.com/office/mac/drawingml/2011/main" xmlns="" val="1"/>
+                <ma14:wrappingTextBoxFlag xmlns="" xmlns:ma14="http://schemas.microsoft.com/office/mac/drawingml/2011/main" val="1"/>
               </a:ext>
             </a:extLst>
           </p:spPr>
@@ -20699,7 +20580,7 @@
             </a:ln>
             <a:extLst>
               <a:ext uri="{C572A759-6A51-4108-AA02-DFA0A04FC94B}">
-                <ma14:wrappingTextBoxFlag xmlns:ma14="http://schemas.microsoft.com/office/mac/drawingml/2011/main" xmlns="" val="1"/>
+                <ma14:wrappingTextBoxFlag xmlns="" xmlns:ma14="http://schemas.microsoft.com/office/mac/drawingml/2011/main" val="1"/>
               </a:ext>
             </a:extLst>
           </p:spPr>
@@ -20876,7 +20757,7 @@
             </a:ln>
             <a:extLst>
               <a:ext uri="{C572A759-6A51-4108-AA02-DFA0A04FC94B}">
-                <ma14:wrappingTextBoxFlag xmlns:ma14="http://schemas.microsoft.com/office/mac/drawingml/2011/main" xmlns="" val="1"/>
+                <ma14:wrappingTextBoxFlag xmlns="" xmlns:ma14="http://schemas.microsoft.com/office/mac/drawingml/2011/main" val="1"/>
               </a:ext>
             </a:extLst>
           </p:spPr>
@@ -21081,7 +20962,7 @@
             </a:ln>
             <a:extLst>
               <a:ext uri="{C572A759-6A51-4108-AA02-DFA0A04FC94B}">
-                <ma14:wrappingTextBoxFlag xmlns:ma14="http://schemas.microsoft.com/office/mac/drawingml/2011/main" xmlns="" val="1"/>
+                <ma14:wrappingTextBoxFlag xmlns="" xmlns:ma14="http://schemas.microsoft.com/office/mac/drawingml/2011/main" val="1"/>
               </a:ext>
             </a:extLst>
           </p:spPr>
@@ -21135,7 +21016,7 @@
             </a:ln>
             <a:extLst>
               <a:ext uri="{C572A759-6A51-4108-AA02-DFA0A04FC94B}">
-                <ma14:wrappingTextBoxFlag xmlns:ma14="http://schemas.microsoft.com/office/mac/drawingml/2011/main" xmlns="" val="1"/>
+                <ma14:wrappingTextBoxFlag xmlns="" xmlns:ma14="http://schemas.microsoft.com/office/mac/drawingml/2011/main" val="1"/>
               </a:ext>
             </a:extLst>
           </p:spPr>
@@ -21189,7 +21070,7 @@
             </a:ln>
             <a:extLst>
               <a:ext uri="{C572A759-6A51-4108-AA02-DFA0A04FC94B}">
-                <ma14:wrappingTextBoxFlag xmlns:ma14="http://schemas.microsoft.com/office/mac/drawingml/2011/main" xmlns="" val="1"/>
+                <ma14:wrappingTextBoxFlag xmlns="" xmlns:ma14="http://schemas.microsoft.com/office/mac/drawingml/2011/main" val="1"/>
               </a:ext>
             </a:extLst>
           </p:spPr>
@@ -21243,7 +21124,7 @@
             </a:ln>
             <a:extLst>
               <a:ext uri="{C572A759-6A51-4108-AA02-DFA0A04FC94B}">
-                <ma14:wrappingTextBoxFlag xmlns:ma14="http://schemas.microsoft.com/office/mac/drawingml/2011/main" xmlns="" val="1"/>
+                <ma14:wrappingTextBoxFlag xmlns="" xmlns:ma14="http://schemas.microsoft.com/office/mac/drawingml/2011/main" val="1"/>
               </a:ext>
             </a:extLst>
           </p:spPr>
@@ -21297,7 +21178,7 @@
             </a:ln>
             <a:extLst>
               <a:ext uri="{C572A759-6A51-4108-AA02-DFA0A04FC94B}">
-                <ma14:wrappingTextBoxFlag xmlns:ma14="http://schemas.microsoft.com/office/mac/drawingml/2011/main" xmlns="" val="1"/>
+                <ma14:wrappingTextBoxFlag xmlns="" xmlns:ma14="http://schemas.microsoft.com/office/mac/drawingml/2011/main" val="1"/>
               </a:ext>
             </a:extLst>
           </p:spPr>
@@ -21348,7 +21229,7 @@
             </a:ln>
             <a:extLst>
               <a:ext uri="{C572A759-6A51-4108-AA02-DFA0A04FC94B}">
-                <ma14:wrappingTextBoxFlag xmlns:ma14="http://schemas.microsoft.com/office/mac/drawingml/2011/main" xmlns="" val="1"/>
+                <ma14:wrappingTextBoxFlag xmlns="" xmlns:ma14="http://schemas.microsoft.com/office/mac/drawingml/2011/main" val="1"/>
               </a:ext>
             </a:extLst>
           </p:spPr>
@@ -21486,10 +21367,10 @@
       </p:grpSpPr>
       <p:sp>
         <p:nvSpPr>
-          <p:cNvPr id="72" name="Shape 127">
+          <p:cNvPr id="73" name="Shape 127">
             <a:extLst>
               <a:ext uri="{FF2B5EF4-FFF2-40B4-BE49-F238E27FC236}">
-                <a16:creationId xmlns:a16="http://schemas.microsoft.com/office/drawing/2014/main" id="{59F9BE85-EF03-6849-9CA7-9B441C1DD48A}"/>
+                <a16:creationId xmlns:a16="http://schemas.microsoft.com/office/drawing/2014/main" id="{A0A90AC2-2110-5C46-A11E-C3CD7F6D20D0}"/>
               </a:ext>
             </a:extLst>
           </p:cNvPr>
@@ -21498,8 +21379,8 @@
         </p:nvSpPr>
         <p:spPr>
           <a:xfrm>
-            <a:off x="15684512" y="12505104"/>
-            <a:ext cx="8180122" cy="759822"/>
+            <a:off x="11371385" y="12658992"/>
+            <a:ext cx="12493249" cy="452046"/>
           </a:xfrm>
           <a:prstGeom prst="rect">
             <a:avLst/>
@@ -21509,12 +21390,12 @@
           </a:ln>
           <a:extLst>
             <a:ext uri="{C572A759-6A51-4108-AA02-DFA0A04FC94B}">
-              <ma14:wrappingTextBoxFlag xmlns:ma14="http://schemas.microsoft.com/office/mac/drawingml/2011/main" xmlns="" val="1"/>
+              <ma14:wrappingTextBoxFlag xmlns="" xmlns:ma14="http://schemas.microsoft.com/office/mac/drawingml/2011/main" val="1"/>
             </a:ext>
           </a:extLst>
         </p:spPr>
         <p:txBody>
-          <a:bodyPr wrap="none" lIns="71437" tIns="71437" rIns="71437" bIns="71437" anchor="ctr">
+          <a:bodyPr wrap="square" lIns="71437" tIns="71437" rIns="71437" bIns="71437" anchor="ctr">
             <a:spAutoFit/>
           </a:bodyPr>
           <a:lstStyle/>
@@ -21552,24 +21433,7 @@
             </a:r>
             <a:r>
               <a:rPr lang="en-AU" dirty="0"/>
-              <a:t>/photos/</a:t>
-            </a:r>
-          </a:p>
-          <a:p>
-            <a:pPr algn="r">
-              <a:defRPr sz="2000" b="0">
-                <a:solidFill>
-                  <a:srgbClr val="919191"/>
-                </a:solidFill>
-                <a:latin typeface="Montserrat Medium"/>
-                <a:ea typeface="Montserrat Medium"/>
-                <a:cs typeface="Montserrat Medium"/>
-                <a:sym typeface="Montserrat Medium"/>
-              </a:defRPr>
-            </a:pPr>
-            <a:r>
-              <a:rPr lang="en-AU" dirty="0"/>
-              <a:t>u2VPMFRrhGU</a:t>
+              <a:t>/photos/u2VPMFRrhGU</a:t>
             </a:r>
           </a:p>
         </p:txBody>
@@ -21599,7 +21463,7 @@
           </a:ln>
           <a:extLst>
             <a:ext uri="{C572A759-6A51-4108-AA02-DFA0A04FC94B}">
-              <ma14:wrappingTextBoxFlag xmlns:ma14="http://schemas.microsoft.com/office/mac/drawingml/2011/main" xmlns="" val="1"/>
+              <ma14:wrappingTextBoxFlag xmlns="" xmlns:ma14="http://schemas.microsoft.com/office/mac/drawingml/2011/main" val="1"/>
             </a:ext>
           </a:extLst>
         </p:spPr>
@@ -21661,7 +21525,7 @@
           </a:ln>
           <a:extLst>
             <a:ext uri="{C572A759-6A51-4108-AA02-DFA0A04FC94B}">
-              <ma14:wrappingTextBoxFlag xmlns:ma14="http://schemas.microsoft.com/office/mac/drawingml/2011/main" xmlns="" val="1"/>
+              <ma14:wrappingTextBoxFlag xmlns="" xmlns:ma14="http://schemas.microsoft.com/office/mac/drawingml/2011/main" val="1"/>
             </a:ext>
           </a:extLst>
         </p:spPr>
@@ -21723,7 +21587,7 @@
           </a:ln>
           <a:extLst>
             <a:ext uri="{C572A759-6A51-4108-AA02-DFA0A04FC94B}">
-              <ma14:wrappingTextBoxFlag xmlns:ma14="http://schemas.microsoft.com/office/mac/drawingml/2011/main" xmlns="" val="1"/>
+              <ma14:wrappingTextBoxFlag xmlns="" xmlns:ma14="http://schemas.microsoft.com/office/mac/drawingml/2011/main" val="1"/>
             </a:ext>
           </a:extLst>
         </p:spPr>
@@ -21784,7 +21648,7 @@
           </a:ln>
           <a:extLst>
             <a:ext uri="{C572A759-6A51-4108-AA02-DFA0A04FC94B}">
-              <ma14:wrappingTextBoxFlag xmlns:ma14="http://schemas.microsoft.com/office/mac/drawingml/2011/main" xmlns="" val="1"/>
+              <ma14:wrappingTextBoxFlag xmlns="" xmlns:ma14="http://schemas.microsoft.com/office/mac/drawingml/2011/main" val="1"/>
             </a:ext>
           </a:extLst>
         </p:spPr>
@@ -21842,7 +21706,7 @@
           </a:ln>
           <a:extLst>
             <a:ext uri="{C572A759-6A51-4108-AA02-DFA0A04FC94B}">
-              <ma14:wrappingTextBoxFlag xmlns:ma14="http://schemas.microsoft.com/office/mac/drawingml/2011/main" xmlns="" val="1"/>
+              <ma14:wrappingTextBoxFlag xmlns="" xmlns:ma14="http://schemas.microsoft.com/office/mac/drawingml/2011/main" val="1"/>
             </a:ext>
           </a:extLst>
         </p:spPr>
@@ -21904,7 +21768,7 @@
           </a:ln>
           <a:extLst>
             <a:ext uri="{C572A759-6A51-4108-AA02-DFA0A04FC94B}">
-              <ma14:wrappingTextBoxFlag xmlns:ma14="http://schemas.microsoft.com/office/mac/drawingml/2011/main" xmlns="" val="1"/>
+              <ma14:wrappingTextBoxFlag xmlns="" xmlns:ma14="http://schemas.microsoft.com/office/mac/drawingml/2011/main" val="1"/>
             </a:ext>
           </a:extLst>
         </p:spPr>
@@ -21966,7 +21830,7 @@
           </a:ln>
           <a:extLst>
             <a:ext uri="{C572A759-6A51-4108-AA02-DFA0A04FC94B}">
-              <ma14:wrappingTextBoxFlag xmlns:ma14="http://schemas.microsoft.com/office/mac/drawingml/2011/main" xmlns="" val="1"/>
+              <ma14:wrappingTextBoxFlag xmlns="" xmlns:ma14="http://schemas.microsoft.com/office/mac/drawingml/2011/main" val="1"/>
             </a:ext>
           </a:extLst>
         </p:spPr>
@@ -22156,7 +22020,7 @@
             </a:ln>
             <a:extLst>
               <a:ext uri="{C572A759-6A51-4108-AA02-DFA0A04FC94B}">
-                <ma14:wrappingTextBoxFlag xmlns:ma14="http://schemas.microsoft.com/office/mac/drawingml/2011/main" xmlns="" val="1"/>
+                <ma14:wrappingTextBoxFlag xmlns="" xmlns:ma14="http://schemas.microsoft.com/office/mac/drawingml/2011/main" val="1"/>
               </a:ext>
             </a:extLst>
           </p:spPr>
@@ -22204,7 +22068,7 @@
             </a:ln>
             <a:extLst>
               <a:ext uri="{C572A759-6A51-4108-AA02-DFA0A04FC94B}">
-                <ma14:wrappingTextBoxFlag xmlns:ma14="http://schemas.microsoft.com/office/mac/drawingml/2011/main" xmlns="" val="1"/>
+                <ma14:wrappingTextBoxFlag xmlns="" xmlns:ma14="http://schemas.microsoft.com/office/mac/drawingml/2011/main" val="1"/>
               </a:ext>
             </a:extLst>
           </p:spPr>
@@ -22252,7 +22116,7 @@
             </a:ln>
             <a:extLst>
               <a:ext uri="{C572A759-6A51-4108-AA02-DFA0A04FC94B}">
-                <ma14:wrappingTextBoxFlag xmlns:ma14="http://schemas.microsoft.com/office/mac/drawingml/2011/main" xmlns="" val="1"/>
+                <ma14:wrappingTextBoxFlag xmlns="" xmlns:ma14="http://schemas.microsoft.com/office/mac/drawingml/2011/main" val="1"/>
               </a:ext>
             </a:extLst>
           </p:spPr>
@@ -22300,7 +22164,7 @@
             </a:ln>
             <a:extLst>
               <a:ext uri="{C572A759-6A51-4108-AA02-DFA0A04FC94B}">
-                <ma14:wrappingTextBoxFlag xmlns:ma14="http://schemas.microsoft.com/office/mac/drawingml/2011/main" xmlns="" val="1"/>
+                <ma14:wrappingTextBoxFlag xmlns="" xmlns:ma14="http://schemas.microsoft.com/office/mac/drawingml/2011/main" val="1"/>
               </a:ext>
             </a:extLst>
           </p:spPr>
@@ -22348,7 +22212,7 @@
             </a:ln>
             <a:extLst>
               <a:ext uri="{C572A759-6A51-4108-AA02-DFA0A04FC94B}">
-                <ma14:wrappingTextBoxFlag xmlns:ma14="http://schemas.microsoft.com/office/mac/drawingml/2011/main" xmlns="" val="1"/>
+                <ma14:wrappingTextBoxFlag xmlns="" xmlns:ma14="http://schemas.microsoft.com/office/mac/drawingml/2011/main" val="1"/>
               </a:ext>
             </a:extLst>
           </p:spPr>
@@ -22396,7 +22260,7 @@
             </a:ln>
             <a:extLst>
               <a:ext uri="{C572A759-6A51-4108-AA02-DFA0A04FC94B}">
-                <ma14:wrappingTextBoxFlag xmlns:ma14="http://schemas.microsoft.com/office/mac/drawingml/2011/main" xmlns="" val="1"/>
+                <ma14:wrappingTextBoxFlag xmlns="" xmlns:ma14="http://schemas.microsoft.com/office/mac/drawingml/2011/main" val="1"/>
               </a:ext>
             </a:extLst>
           </p:spPr>
@@ -22444,7 +22308,7 @@
             </a:ln>
             <a:extLst>
               <a:ext uri="{C572A759-6A51-4108-AA02-DFA0A04FC94B}">
-                <ma14:wrappingTextBoxFlag xmlns:ma14="http://schemas.microsoft.com/office/mac/drawingml/2011/main" xmlns="" val="1"/>
+                <ma14:wrappingTextBoxFlag xmlns="" xmlns:ma14="http://schemas.microsoft.com/office/mac/drawingml/2011/main" val="1"/>
               </a:ext>
             </a:extLst>
           </p:spPr>
@@ -22559,7 +22423,7 @@
           </a:ln>
           <a:extLst>
             <a:ext uri="{C572A759-6A51-4108-AA02-DFA0A04FC94B}">
-              <ma14:wrappingTextBoxFlag xmlns:ma14="http://schemas.microsoft.com/office/mac/drawingml/2011/main" xmlns="" val="1"/>
+              <ma14:wrappingTextBoxFlag xmlns="" xmlns:ma14="http://schemas.microsoft.com/office/mac/drawingml/2011/main" val="1"/>
             </a:ext>
           </a:extLst>
         </p:spPr>
@@ -22707,7 +22571,7 @@
             </a:ln>
             <a:extLst>
               <a:ext uri="{C572A759-6A51-4108-AA02-DFA0A04FC94B}">
-                <ma14:wrappingTextBoxFlag xmlns:ma14="http://schemas.microsoft.com/office/mac/drawingml/2011/main" xmlns="" val="1"/>
+                <ma14:wrappingTextBoxFlag xmlns="" xmlns:ma14="http://schemas.microsoft.com/office/mac/drawingml/2011/main" val="1"/>
               </a:ext>
             </a:extLst>
           </p:spPr>
@@ -22768,7 +22632,7 @@
             </a:ln>
             <a:extLst>
               <a:ext uri="{C572A759-6A51-4108-AA02-DFA0A04FC94B}">
-                <ma14:wrappingTextBoxFlag xmlns:ma14="http://schemas.microsoft.com/office/mac/drawingml/2011/main" xmlns="" val="1"/>
+                <ma14:wrappingTextBoxFlag xmlns="" xmlns:ma14="http://schemas.microsoft.com/office/mac/drawingml/2011/main" val="1"/>
               </a:ext>
             </a:extLst>
           </p:spPr>
@@ -22874,7 +22738,7 @@
             </a:ln>
             <a:extLst>
               <a:ext uri="{C572A759-6A51-4108-AA02-DFA0A04FC94B}">
-                <ma14:wrappingTextBoxFlag xmlns:ma14="http://schemas.microsoft.com/office/mac/drawingml/2011/main" xmlns="" val="1"/>
+                <ma14:wrappingTextBoxFlag xmlns="" xmlns:ma14="http://schemas.microsoft.com/office/mac/drawingml/2011/main" val="1"/>
               </a:ext>
             </a:extLst>
           </p:spPr>
@@ -22928,7 +22792,7 @@
             </a:ln>
             <a:extLst>
               <a:ext uri="{C572A759-6A51-4108-AA02-DFA0A04FC94B}">
-                <ma14:wrappingTextBoxFlag xmlns:ma14="http://schemas.microsoft.com/office/mac/drawingml/2011/main" xmlns="" val="1"/>
+                <ma14:wrappingTextBoxFlag xmlns="" xmlns:ma14="http://schemas.microsoft.com/office/mac/drawingml/2011/main" val="1"/>
               </a:ext>
             </a:extLst>
           </p:spPr>
@@ -22982,7 +22846,7 @@
             </a:ln>
             <a:extLst>
               <a:ext uri="{C572A759-6A51-4108-AA02-DFA0A04FC94B}">
-                <ma14:wrappingTextBoxFlag xmlns:ma14="http://schemas.microsoft.com/office/mac/drawingml/2011/main" xmlns="" val="1"/>
+                <ma14:wrappingTextBoxFlag xmlns="" xmlns:ma14="http://schemas.microsoft.com/office/mac/drawingml/2011/main" val="1"/>
               </a:ext>
             </a:extLst>
           </p:spPr>
@@ -23036,7 +22900,7 @@
             </a:ln>
             <a:extLst>
               <a:ext uri="{C572A759-6A51-4108-AA02-DFA0A04FC94B}">
-                <ma14:wrappingTextBoxFlag xmlns:ma14="http://schemas.microsoft.com/office/mac/drawingml/2011/main" xmlns="" val="1"/>
+                <ma14:wrappingTextBoxFlag xmlns="" xmlns:ma14="http://schemas.microsoft.com/office/mac/drawingml/2011/main" val="1"/>
               </a:ext>
             </a:extLst>
           </p:spPr>
@@ -23090,7 +22954,7 @@
             </a:ln>
             <a:extLst>
               <a:ext uri="{C572A759-6A51-4108-AA02-DFA0A04FC94B}">
-                <ma14:wrappingTextBoxFlag xmlns:ma14="http://schemas.microsoft.com/office/mac/drawingml/2011/main" xmlns="" val="1"/>
+                <ma14:wrappingTextBoxFlag xmlns="" xmlns:ma14="http://schemas.microsoft.com/office/mac/drawingml/2011/main" val="1"/>
               </a:ext>
             </a:extLst>
           </p:spPr>
@@ -23144,7 +23008,7 @@
             </a:ln>
             <a:extLst>
               <a:ext uri="{C572A759-6A51-4108-AA02-DFA0A04FC94B}">
-                <ma14:wrappingTextBoxFlag xmlns:ma14="http://schemas.microsoft.com/office/mac/drawingml/2011/main" xmlns="" val="1"/>
+                <ma14:wrappingTextBoxFlag xmlns="" xmlns:ma14="http://schemas.microsoft.com/office/mac/drawingml/2011/main" val="1"/>
               </a:ext>
             </a:extLst>
           </p:spPr>
@@ -23198,7 +23062,7 @@
             </a:ln>
             <a:extLst>
               <a:ext uri="{C572A759-6A51-4108-AA02-DFA0A04FC94B}">
-                <ma14:wrappingTextBoxFlag xmlns:ma14="http://schemas.microsoft.com/office/mac/drawingml/2011/main" xmlns="" val="1"/>
+                <ma14:wrappingTextBoxFlag xmlns="" xmlns:ma14="http://schemas.microsoft.com/office/mac/drawingml/2011/main" val="1"/>
               </a:ext>
             </a:extLst>
           </p:spPr>
@@ -23500,7 +23364,7 @@
             </a:ln>
             <a:extLst>
               <a:ext uri="{C572A759-6A51-4108-AA02-DFA0A04FC94B}">
-                <ma14:wrappingTextBoxFlag xmlns:ma14="http://schemas.microsoft.com/office/mac/drawingml/2011/main" xmlns="" val="1"/>
+                <ma14:wrappingTextBoxFlag xmlns="" xmlns:ma14="http://schemas.microsoft.com/office/mac/drawingml/2011/main" val="1"/>
               </a:ext>
             </a:extLst>
           </p:spPr>
@@ -23691,7 +23555,7 @@
             </a:ln>
             <a:extLst>
               <a:ext uri="{C572A759-6A51-4108-AA02-DFA0A04FC94B}">
-                <ma14:wrappingTextBoxFlag xmlns:ma14="http://schemas.microsoft.com/office/mac/drawingml/2011/main" xmlns="" val="1"/>
+                <ma14:wrappingTextBoxFlag xmlns="" xmlns:ma14="http://schemas.microsoft.com/office/mac/drawingml/2011/main" val="1"/>
               </a:ext>
             </a:extLst>
           </p:spPr>
@@ -23748,7 +23612,7 @@
             </a:ln>
             <a:extLst>
               <a:ext uri="{C572A759-6A51-4108-AA02-DFA0A04FC94B}">
-                <ma14:wrappingTextBoxFlag xmlns:ma14="http://schemas.microsoft.com/office/mac/drawingml/2011/main" xmlns="" val="1"/>
+                <ma14:wrappingTextBoxFlag xmlns="" xmlns:ma14="http://schemas.microsoft.com/office/mac/drawingml/2011/main" val="1"/>
               </a:ext>
             </a:extLst>
           </p:spPr>
@@ -23925,7 +23789,7 @@
             </a:ln>
             <a:extLst>
               <a:ext uri="{C572A759-6A51-4108-AA02-DFA0A04FC94B}">
-                <ma14:wrappingTextBoxFlag xmlns:ma14="http://schemas.microsoft.com/office/mac/drawingml/2011/main" xmlns="" val="1"/>
+                <ma14:wrappingTextBoxFlag xmlns="" xmlns:ma14="http://schemas.microsoft.com/office/mac/drawingml/2011/main" val="1"/>
               </a:ext>
             </a:extLst>
           </p:spPr>
@@ -24130,7 +23994,7 @@
             </a:ln>
             <a:extLst>
               <a:ext uri="{C572A759-6A51-4108-AA02-DFA0A04FC94B}">
-                <ma14:wrappingTextBoxFlag xmlns:ma14="http://schemas.microsoft.com/office/mac/drawingml/2011/main" xmlns="" val="1"/>
+                <ma14:wrappingTextBoxFlag xmlns="" xmlns:ma14="http://schemas.microsoft.com/office/mac/drawingml/2011/main" val="1"/>
               </a:ext>
             </a:extLst>
           </p:spPr>
@@ -24184,7 +24048,7 @@
             </a:ln>
             <a:extLst>
               <a:ext uri="{C572A759-6A51-4108-AA02-DFA0A04FC94B}">
-                <ma14:wrappingTextBoxFlag xmlns:ma14="http://schemas.microsoft.com/office/mac/drawingml/2011/main" xmlns="" val="1"/>
+                <ma14:wrappingTextBoxFlag xmlns="" xmlns:ma14="http://schemas.microsoft.com/office/mac/drawingml/2011/main" val="1"/>
               </a:ext>
             </a:extLst>
           </p:spPr>
@@ -24238,7 +24102,7 @@
             </a:ln>
             <a:extLst>
               <a:ext uri="{C572A759-6A51-4108-AA02-DFA0A04FC94B}">
-                <ma14:wrappingTextBoxFlag xmlns:ma14="http://schemas.microsoft.com/office/mac/drawingml/2011/main" xmlns="" val="1"/>
+                <ma14:wrappingTextBoxFlag xmlns="" xmlns:ma14="http://schemas.microsoft.com/office/mac/drawingml/2011/main" val="1"/>
               </a:ext>
             </a:extLst>
           </p:spPr>
@@ -24292,7 +24156,7 @@
             </a:ln>
             <a:extLst>
               <a:ext uri="{C572A759-6A51-4108-AA02-DFA0A04FC94B}">
-                <ma14:wrappingTextBoxFlag xmlns:ma14="http://schemas.microsoft.com/office/mac/drawingml/2011/main" xmlns="" val="1"/>
+                <ma14:wrappingTextBoxFlag xmlns="" xmlns:ma14="http://schemas.microsoft.com/office/mac/drawingml/2011/main" val="1"/>
               </a:ext>
             </a:extLst>
           </p:spPr>
@@ -24346,7 +24210,7 @@
             </a:ln>
             <a:extLst>
               <a:ext uri="{C572A759-6A51-4108-AA02-DFA0A04FC94B}">
-                <ma14:wrappingTextBoxFlag xmlns:ma14="http://schemas.microsoft.com/office/mac/drawingml/2011/main" xmlns="" val="1"/>
+                <ma14:wrappingTextBoxFlag xmlns="" xmlns:ma14="http://schemas.microsoft.com/office/mac/drawingml/2011/main" val="1"/>
               </a:ext>
             </a:extLst>
           </p:spPr>
@@ -24397,7 +24261,7 @@
             </a:ln>
             <a:extLst>
               <a:ext uri="{C572A759-6A51-4108-AA02-DFA0A04FC94B}">
-                <ma14:wrappingTextBoxFlag xmlns:ma14="http://schemas.microsoft.com/office/mac/drawingml/2011/main" xmlns="" val="1"/>
+                <ma14:wrappingTextBoxFlag xmlns="" xmlns:ma14="http://schemas.microsoft.com/office/mac/drawingml/2011/main" val="1"/>
               </a:ext>
             </a:extLst>
           </p:spPr>
